--- a/ClassMaterials/IntroToUnitTesting/Slides/Part4-UnitTesting.pptx
+++ b/ClassMaterials/IntroToUnitTesting/Slides/Part4-UnitTesting.pptx
@@ -5,10 +5,10 @@
     <p:sldMasterId id="2147483927" r:id="rId4"/>
   </p:sldMasterIdLst>
   <p:notesMasterIdLst>
-    <p:notesMasterId r:id="rId17"/>
+    <p:notesMasterId r:id="rId19"/>
   </p:notesMasterIdLst>
   <p:handoutMasterIdLst>
-    <p:handoutMasterId r:id="rId18"/>
+    <p:handoutMasterId r:id="rId20"/>
   </p:handoutMasterIdLst>
   <p:sldIdLst>
     <p:sldId id="256" r:id="rId5"/>
@@ -18,11 +18,13 @@
     <p:sldId id="292" r:id="rId9"/>
     <p:sldId id="289" r:id="rId10"/>
     <p:sldId id="301" r:id="rId11"/>
-    <p:sldId id="302" r:id="rId12"/>
-    <p:sldId id="312" r:id="rId13"/>
-    <p:sldId id="313" r:id="rId14"/>
-    <p:sldId id="314" r:id="rId15"/>
-    <p:sldId id="300" r:id="rId16"/>
+    <p:sldId id="315" r:id="rId12"/>
+    <p:sldId id="316" r:id="rId13"/>
+    <p:sldId id="302" r:id="rId14"/>
+    <p:sldId id="312" r:id="rId15"/>
+    <p:sldId id="313" r:id="rId16"/>
+    <p:sldId id="314" r:id="rId17"/>
+    <p:sldId id="300" r:id="rId18"/>
   </p:sldIdLst>
   <p:sldSz cx="9144000" cy="6858000" type="screen4x3"/>
   <p:notesSz cx="7010400" cy="9296400"/>
@@ -287,7 +289,7 @@
               <a:pPr>
                 <a:defRPr/>
               </a:pPr>
-              <a:t>11/22/2022</a:t>
+              <a:t>1/5/2023</a:t>
             </a:fld>
             <a:endParaRPr lang="en-US"/>
           </a:p>
@@ -522,7 +524,7 @@
               <a:pPr>
                 <a:defRPr/>
               </a:pPr>
-              <a:t>11/22/2022</a:t>
+              <a:t>1/5/2023</a:t>
             </a:fld>
             <a:endParaRPr lang="en-US"/>
           </a:p>
@@ -1023,36 +1025,205 @@
           <a:bodyPr/>
           <a:lstStyle/>
           <a:p>
-            <a:pPr marL="0" marR="0" lvl="0" indent="0" algn="l" defTabSz="914400" rtl="0" eaLnBrk="0" fontAlgn="base" latinLnBrk="0" hangingPunct="0">
-              <a:lnSpc>
-                <a:spcPct val="100000"/>
-              </a:lnSpc>
+            <a:pPr rtl="0">
               <a:spcBef>
-                <a:spcPct val="30000"/>
+                <a:spcPts val="1400"/>
               </a:spcBef>
               <a:spcAft>
-                <a:spcPct val="0"/>
+                <a:spcPts val="1400"/>
               </a:spcAft>
-              <a:buClrTx/>
-              <a:buSzTx/>
-              <a:buFontTx/>
-              <a:buNone/>
-              <a:tabLst/>
-              <a:defRPr/>
-            </a:pPr>
-            <a:r>
-              <a:rPr lang="en-US" dirty="0"/>
-              <a:t>You can decide whether you want to show</a:t>
-            </a:r>
-            <a:r>
-              <a:rPr lang="en-US" baseline="0" dirty="0"/>
-              <a:t> the students how to generate the toString and equals methods when testing the addFrac method to do an assertEquals(), or if you want to reduce the amount of time taken, you can also choose to simply compare the actual numerator and denominator as in the solution code.</a:t>
-            </a:r>
+            </a:pPr>
+            <a:r>
+              <a:rPr lang="en-US" sz="1800" b="1" i="0" u="none" strike="noStrike" dirty="0">
+                <a:solidFill>
+                  <a:srgbClr val="000000"/>
+                </a:solidFill>
+                <a:effectLst/>
+                <a:latin typeface="Times New Roman" panose="02020603050405020304" pitchFamily="18" charset="0"/>
+              </a:rPr>
+              <a:t>Explanation of diagram in Figure 1:</a:t>
+            </a:r>
+            <a:endParaRPr lang="en-US" b="0" dirty="0">
+              <a:effectLst/>
+            </a:endParaRPr>
+          </a:p>
+          <a:p>
+            <a:pPr rtl="0" fontAlgn="base">
+              <a:spcBef>
+                <a:spcPts val="1400"/>
+              </a:spcBef>
+              <a:spcAft>
+                <a:spcPts val="0"/>
+              </a:spcAft>
+              <a:buFont typeface="Arial" panose="020B0604020202020204" pitchFamily="34" charset="0"/>
+              <a:buChar char="•"/>
+            </a:pPr>
+            <a:r>
+              <a:rPr lang="en-US" sz="1800" b="0" i="0" u="none" strike="noStrike" dirty="0">
+                <a:solidFill>
+                  <a:srgbClr val="000000"/>
+                </a:solidFill>
+                <a:effectLst/>
+                <a:latin typeface="Times New Roman" panose="02020603050405020304" pitchFamily="18" charset="0"/>
+              </a:rPr>
+              <a:t>the app's boundary from outside data is in blue</a:t>
+            </a:r>
+          </a:p>
+          <a:p>
+            <a:pPr rtl="0" fontAlgn="base">
+              <a:spcBef>
+                <a:spcPts val="0"/>
+              </a:spcBef>
+              <a:spcAft>
+                <a:spcPts val="0"/>
+              </a:spcAft>
+              <a:buFont typeface="Arial" panose="020B0604020202020204" pitchFamily="34" charset="0"/>
+              <a:buChar char="•"/>
+            </a:pPr>
+            <a:r>
+              <a:rPr lang="en-US" sz="1800" b="0" i="0" u="none" strike="noStrike" dirty="0">
+                <a:solidFill>
+                  <a:srgbClr val="000000"/>
+                </a:solidFill>
+                <a:effectLst/>
+                <a:latin typeface="Times New Roman" panose="02020603050405020304" pitchFamily="18" charset="0"/>
+              </a:rPr>
+              <a:t>the red modules are responsible for handling incoming (and possibly malformed data)</a:t>
+            </a:r>
+          </a:p>
+          <a:p>
+            <a:pPr rtl="0" fontAlgn="base">
+              <a:spcBef>
+                <a:spcPts val="0"/>
+              </a:spcBef>
+              <a:spcAft>
+                <a:spcPts val="0"/>
+              </a:spcAft>
+              <a:buFont typeface="Arial" panose="020B0604020202020204" pitchFamily="34" charset="0"/>
+              <a:buChar char="•"/>
+            </a:pPr>
+            <a:r>
+              <a:rPr lang="en-US" sz="1800" b="0" i="0" u="none" strike="noStrike" dirty="0">
+                <a:solidFill>
+                  <a:srgbClr val="000000"/>
+                </a:solidFill>
+                <a:effectLst/>
+                <a:latin typeface="Times New Roman" panose="02020603050405020304" pitchFamily="18" charset="0"/>
+              </a:rPr>
+              <a:t>the green modules never see raw data from outside the app, they only see data that has made it past the red module</a:t>
+            </a:r>
+          </a:p>
+          <a:p>
+            <a:pPr rtl="0" fontAlgn="base">
+              <a:spcBef>
+                <a:spcPts val="0"/>
+              </a:spcBef>
+              <a:spcAft>
+                <a:spcPts val="0"/>
+              </a:spcAft>
+              <a:buFont typeface="Arial" panose="020B0604020202020204" pitchFamily="34" charset="0"/>
+              <a:buChar char="•"/>
+            </a:pPr>
+            <a:r>
+              <a:rPr lang="en-US" sz="1800" b="0" i="0" u="none" strike="noStrike" dirty="0">
+                <a:solidFill>
+                  <a:srgbClr val="000000"/>
+                </a:solidFill>
+                <a:effectLst/>
+                <a:latin typeface="Times New Roman" panose="02020603050405020304" pitchFamily="18" charset="0"/>
+              </a:rPr>
+              <a:t>red modules must be written to hand "unintentional" mistakes (or intentional malicious incoming data)</a:t>
+            </a:r>
+          </a:p>
+          <a:p>
+            <a:pPr rtl="0" fontAlgn="base">
+              <a:spcBef>
+                <a:spcPts val="0"/>
+              </a:spcBef>
+              <a:spcAft>
+                <a:spcPts val="0"/>
+              </a:spcAft>
+              <a:buFont typeface="Arial" panose="020B0604020202020204" pitchFamily="34" charset="0"/>
+              <a:buChar char="•"/>
+            </a:pPr>
+            <a:r>
+              <a:rPr lang="en-US" sz="1800" b="0" i="0" u="none" strike="noStrike" dirty="0">
+                <a:solidFill>
+                  <a:srgbClr val="000000"/>
+                </a:solidFill>
+                <a:effectLst/>
+                <a:latin typeface="Times New Roman" panose="02020603050405020304" pitchFamily="18" charset="0"/>
+              </a:rPr>
+              <a:t>once the data gets past the red modules, it has crossed the </a:t>
+            </a:r>
+            <a:r>
+              <a:rPr lang="en-US" sz="1800" b="0" i="1" u="none" strike="noStrike" dirty="0">
+                <a:solidFill>
+                  <a:srgbClr val="000000"/>
+                </a:solidFill>
+                <a:effectLst/>
+                <a:latin typeface="Times New Roman" panose="02020603050405020304" pitchFamily="18" charset="0"/>
+              </a:rPr>
+              <a:t>inner app module boundary</a:t>
+            </a:r>
+            <a:r>
+              <a:rPr lang="en-US" sz="1800" b="0" i="0" u="none" strike="noStrike" dirty="0">
+                <a:solidFill>
+                  <a:srgbClr val="000000"/>
+                </a:solidFill>
+                <a:effectLst/>
+                <a:latin typeface="Times New Roman" panose="02020603050405020304" pitchFamily="18" charset="0"/>
+              </a:rPr>
+              <a:t>, and made its way to the green modules </a:t>
+            </a:r>
+          </a:p>
+          <a:p>
+            <a:pPr rtl="0" fontAlgn="base">
+              <a:spcBef>
+                <a:spcPts val="0"/>
+              </a:spcBef>
+              <a:spcAft>
+                <a:spcPts val="0"/>
+              </a:spcAft>
+              <a:buFont typeface="Arial" panose="020B0604020202020204" pitchFamily="34" charset="0"/>
+              <a:buChar char="•"/>
+            </a:pPr>
+            <a:r>
+              <a:rPr lang="en-US" sz="1800" b="0" i="0" u="none" strike="noStrike" dirty="0">
+                <a:solidFill>
+                  <a:srgbClr val="000000"/>
+                </a:solidFill>
+                <a:effectLst/>
+                <a:latin typeface="Times New Roman" panose="02020603050405020304" pitchFamily="18" charset="0"/>
+              </a:rPr>
+              <a:t>the green modules can be written to have "requirements" on their incoming data (passed in by parameter)</a:t>
+            </a:r>
+          </a:p>
+          <a:p>
+            <a:pPr rtl="0" fontAlgn="base">
+              <a:spcBef>
+                <a:spcPts val="0"/>
+              </a:spcBef>
+              <a:spcAft>
+                <a:spcPts val="1400"/>
+              </a:spcAft>
+              <a:buFont typeface="Arial" panose="020B0604020202020204" pitchFamily="34" charset="0"/>
+              <a:buChar char="•"/>
+            </a:pPr>
+            <a:r>
+              <a:rPr lang="en-US" sz="1800" b="0" i="0" u="none" strike="noStrike" dirty="0">
+                <a:solidFill>
+                  <a:srgbClr val="000000"/>
+                </a:solidFill>
+                <a:effectLst/>
+                <a:latin typeface="Times New Roman" panose="02020603050405020304" pitchFamily="18" charset="0"/>
+              </a:rPr>
+              <a:t>all calls to green modules are from other green modules or the red modules</a:t>
+            </a:r>
+          </a:p>
+          <a:p>
             <a:endParaRPr lang="en-US" dirty="0"/>
           </a:p>
-          <a:p>
-            <a:endParaRPr lang="en-US" dirty="0"/>
-          </a:p>
         </p:txBody>
       </p:sp>
       <p:sp>
@@ -1062,7 +1233,7 @@
             <a:spLocks noGrp="1"/>
           </p:cNvSpPr>
           <p:nvPr>
-            <p:ph type="sldNum" sz="quarter" idx="10"/>
+            <p:ph type="sldNum" sz="quarter" idx="5"/>
           </p:nvPr>
         </p:nvSpPr>
         <p:spPr/>
@@ -1080,14 +1251,14 @@
               </a:pPr>
               <a:t>8</a:t>
             </a:fld>
-            <a:endParaRPr lang="en-US" dirty="0"/>
+            <a:endParaRPr lang="en-US"/>
           </a:p>
         </p:txBody>
       </p:sp>
     </p:spTree>
     <p:extLst>
       <p:ext uri="{BB962C8B-B14F-4D97-AF65-F5344CB8AC3E}">
-        <p14:creationId xmlns:p14="http://schemas.microsoft.com/office/powerpoint/2010/main" val="2218103993"/>
+        <p14:creationId xmlns:p14="http://schemas.microsoft.com/office/powerpoint/2010/main" val="2214777123"/>
       </p:ext>
     </p:extLst>
   </p:cSld>
@@ -1141,36 +1312,315 @@
           <a:bodyPr/>
           <a:lstStyle/>
           <a:p>
-            <a:pPr marL="0" marR="0" lvl="0" indent="0" algn="l" defTabSz="914400" rtl="0" eaLnBrk="0" fontAlgn="base" latinLnBrk="0" hangingPunct="0">
-              <a:lnSpc>
-                <a:spcPct val="100000"/>
-              </a:lnSpc>
+            <a:pPr rtl="0">
               <a:spcBef>
-                <a:spcPct val="30000"/>
+                <a:spcPts val="1400"/>
               </a:spcBef>
               <a:spcAft>
-                <a:spcPct val="0"/>
+                <a:spcPts val="1400"/>
               </a:spcAft>
-              <a:buClrTx/>
-              <a:buSzTx/>
-              <a:buFontTx/>
-              <a:buNone/>
-              <a:tabLst/>
-              <a:defRPr/>
-            </a:pPr>
-            <a:r>
-              <a:rPr lang="en-US" dirty="0"/>
-              <a:t>You can decide whether you want to show</a:t>
-            </a:r>
-            <a:r>
-              <a:rPr lang="en-US" baseline="0" dirty="0"/>
-              <a:t> the students how to generate the toString and equals methods when testing the addFrac method to do an assertEquals(), or if you want to reduce the amount of time taken, you can also choose to simply compare the actual numerator and denominator as in the solution code.</a:t>
-            </a:r>
+            </a:pPr>
+            <a:r>
+              <a:rPr lang="en-US" sz="1800" b="0" i="0" u="none" strike="noStrike" dirty="0">
+                <a:solidFill>
+                  <a:srgbClr val="000000"/>
+                </a:solidFill>
+                <a:effectLst/>
+                <a:latin typeface="Times New Roman" panose="02020603050405020304" pitchFamily="18" charset="0"/>
+              </a:rPr>
+              <a:t>Here is where the </a:t>
+            </a:r>
+            <a:r>
+              <a:rPr lang="en-US" sz="1800" b="0" i="1" u="none" strike="noStrike" dirty="0">
+                <a:solidFill>
+                  <a:srgbClr val="000000"/>
+                </a:solidFill>
+                <a:effectLst/>
+                <a:latin typeface="Times New Roman" panose="02020603050405020304" pitchFamily="18" charset="0"/>
+              </a:rPr>
+              <a:t>rubber meets the road - </a:t>
+            </a:r>
+            <a:r>
+              <a:rPr lang="en-US" sz="1800" b="0" i="0" u="none" strike="noStrike" dirty="0">
+                <a:solidFill>
+                  <a:srgbClr val="000000"/>
+                </a:solidFill>
+                <a:effectLst/>
+                <a:latin typeface="Times New Roman" panose="02020603050405020304" pitchFamily="18" charset="0"/>
+              </a:rPr>
+              <a:t>and the basis for what is known as</a:t>
+            </a:r>
+            <a:r>
+              <a:rPr lang="en-US" sz="1800" b="0" i="1" u="none" strike="noStrike" dirty="0">
+                <a:solidFill>
+                  <a:srgbClr val="000000"/>
+                </a:solidFill>
+                <a:effectLst/>
+                <a:latin typeface="Times New Roman" panose="02020603050405020304" pitchFamily="18" charset="0"/>
+              </a:rPr>
+              <a:t> Design by Contract</a:t>
+            </a:r>
+            <a:endParaRPr lang="en-US" sz="2800" b="0" dirty="0">
+              <a:effectLst/>
+            </a:endParaRPr>
+          </a:p>
+          <a:p>
+            <a:pPr rtl="0" fontAlgn="base">
+              <a:spcBef>
+                <a:spcPts val="1400"/>
+              </a:spcBef>
+              <a:spcAft>
+                <a:spcPts val="0"/>
+              </a:spcAft>
+              <a:buFont typeface="+mj-lt"/>
+              <a:buAutoNum type="arabicPeriod"/>
+            </a:pPr>
+            <a:r>
+              <a:rPr lang="en-US" sz="1800" b="0" i="0" u="none" strike="noStrike" dirty="0">
+                <a:solidFill>
+                  <a:srgbClr val="000000"/>
+                </a:solidFill>
+                <a:effectLst/>
+                <a:latin typeface="Times New Roman" panose="02020603050405020304" pitchFamily="18" charset="0"/>
+              </a:rPr>
+              <a:t>we write the code for a green module assuming that the callers of a green module have met the </a:t>
+            </a:r>
+            <a:r>
+              <a:rPr lang="en-US" sz="1800" b="0" i="1" u="none" strike="noStrike" dirty="0">
+                <a:solidFill>
+                  <a:srgbClr val="000000"/>
+                </a:solidFill>
+                <a:effectLst/>
+                <a:latin typeface="Times New Roman" panose="02020603050405020304" pitchFamily="18" charset="0"/>
+              </a:rPr>
+              <a:t>requirements </a:t>
+            </a:r>
+            <a:r>
+              <a:rPr lang="en-US" sz="1800" b="0" i="0" u="none" strike="noStrike" dirty="0">
+                <a:solidFill>
+                  <a:srgbClr val="000000"/>
+                </a:solidFill>
+                <a:effectLst/>
+                <a:latin typeface="Times New Roman" panose="02020603050405020304" pitchFamily="18" charset="0"/>
+              </a:rPr>
+              <a:t>placed on the parameters being passed to the green module</a:t>
+            </a:r>
+          </a:p>
+          <a:p>
+            <a:pPr rtl="0" fontAlgn="base">
+              <a:spcBef>
+                <a:spcPts val="0"/>
+              </a:spcBef>
+              <a:spcAft>
+                <a:spcPts val="0"/>
+              </a:spcAft>
+              <a:buFont typeface="+mj-lt"/>
+              <a:buAutoNum type="arabicPeriod"/>
+            </a:pPr>
+            <a:r>
+              <a:rPr lang="en-US" sz="1800" b="0" i="0" u="none" strike="noStrike" dirty="0">
+                <a:solidFill>
+                  <a:srgbClr val="000000"/>
+                </a:solidFill>
+                <a:effectLst/>
+                <a:latin typeface="Times New Roman" panose="02020603050405020304" pitchFamily="18" charset="0"/>
+              </a:rPr>
+              <a:t>this allows the code in a green module method to be:  (1) simpler because it doesn't have to check that the incoming data meets the requirements; (2) more efficient; (3) always written in a consistent manner, i.e., where it is written assuming the </a:t>
+            </a:r>
+            <a:r>
+              <a:rPr lang="en-US" sz="1800" b="0" i="1" u="none" strike="noStrike" dirty="0">
+                <a:solidFill>
+                  <a:srgbClr val="000000"/>
+                </a:solidFill>
+                <a:effectLst/>
+                <a:latin typeface="Times New Roman" panose="02020603050405020304" pitchFamily="18" charset="0"/>
+              </a:rPr>
+              <a:t>requirements </a:t>
+            </a:r>
+            <a:r>
+              <a:rPr lang="en-US" sz="1800" b="0" i="0" u="none" strike="noStrike" dirty="0">
+                <a:solidFill>
+                  <a:srgbClr val="000000"/>
+                </a:solidFill>
+                <a:effectLst/>
+                <a:latin typeface="Times New Roman" panose="02020603050405020304" pitchFamily="18" charset="0"/>
+              </a:rPr>
+              <a:t>have been met</a:t>
+            </a:r>
+          </a:p>
+          <a:p>
+            <a:pPr rtl="0" fontAlgn="base">
+              <a:spcBef>
+                <a:spcPts val="0"/>
+              </a:spcBef>
+              <a:spcAft>
+                <a:spcPts val="0"/>
+              </a:spcAft>
+              <a:buFont typeface="+mj-lt"/>
+              <a:buAutoNum type="arabicPeriod"/>
+            </a:pPr>
+            <a:r>
+              <a:rPr lang="en-US" sz="1800" b="0" i="0" u="none" strike="noStrike" dirty="0">
+                <a:solidFill>
+                  <a:srgbClr val="000000"/>
+                </a:solidFill>
+                <a:effectLst/>
+                <a:latin typeface="Times New Roman" panose="02020603050405020304" pitchFamily="18" charset="0"/>
+              </a:rPr>
+              <a:t>if a caller (a red module or another green module) is written so that it violates a green module's </a:t>
+            </a:r>
+            <a:r>
+              <a:rPr lang="en-US" sz="1800" b="0" i="1" u="none" strike="noStrike" dirty="0">
+                <a:solidFill>
+                  <a:srgbClr val="000000"/>
+                </a:solidFill>
+                <a:effectLst/>
+                <a:latin typeface="Times New Roman" panose="02020603050405020304" pitchFamily="18" charset="0"/>
+              </a:rPr>
+              <a:t>requirements</a:t>
+            </a:r>
+            <a:r>
+              <a:rPr lang="en-US" sz="1800" b="0" i="0" u="none" strike="noStrike" dirty="0">
+                <a:solidFill>
+                  <a:srgbClr val="000000"/>
+                </a:solidFill>
+                <a:effectLst/>
+                <a:latin typeface="Times New Roman" panose="02020603050405020304" pitchFamily="18" charset="0"/>
+              </a:rPr>
+              <a:t>, then that caller is defective (not the called operation)</a:t>
+            </a:r>
+          </a:p>
+          <a:p>
+            <a:pPr rtl="0" fontAlgn="base">
+              <a:spcBef>
+                <a:spcPts val="0"/>
+              </a:spcBef>
+              <a:spcAft>
+                <a:spcPts val="1400"/>
+              </a:spcAft>
+              <a:buFont typeface="+mj-lt"/>
+              <a:buAutoNum type="arabicPeriod"/>
+            </a:pPr>
+            <a:r>
+              <a:rPr lang="en-US" sz="1800" b="0" i="0" u="none" strike="noStrike" dirty="0">
+                <a:solidFill>
+                  <a:srgbClr val="000000"/>
+                </a:solidFill>
+                <a:effectLst/>
+                <a:latin typeface="Times New Roman" panose="02020603050405020304" pitchFamily="18" charset="0"/>
+              </a:rPr>
+              <a:t>Since green module methods assume the caller meets the </a:t>
+            </a:r>
+            <a:r>
+              <a:rPr lang="en-US" sz="1800" b="0" i="1" u="none" strike="noStrike" dirty="0">
+                <a:solidFill>
+                  <a:srgbClr val="000000"/>
+                </a:solidFill>
+                <a:effectLst/>
+                <a:latin typeface="Times New Roman" panose="02020603050405020304" pitchFamily="18" charset="0"/>
+              </a:rPr>
+              <a:t>requirements</a:t>
+            </a:r>
+            <a:r>
+              <a:rPr lang="en-US" sz="1800" b="0" i="0" u="none" strike="noStrike" dirty="0">
+                <a:solidFill>
+                  <a:srgbClr val="000000"/>
+                </a:solidFill>
+                <a:effectLst/>
+                <a:latin typeface="Times New Roman" panose="02020603050405020304" pitchFamily="18" charset="0"/>
+              </a:rPr>
+              <a:t>, it doesn't make sense to write JUnit test cases where the </a:t>
+            </a:r>
+            <a:r>
+              <a:rPr lang="en-US" sz="1800" b="0" i="1" u="none" strike="noStrike" dirty="0">
+                <a:solidFill>
+                  <a:srgbClr val="000000"/>
+                </a:solidFill>
+                <a:effectLst/>
+                <a:latin typeface="Times New Roman" panose="02020603050405020304" pitchFamily="18" charset="0"/>
+              </a:rPr>
+              <a:t>requirements</a:t>
+            </a:r>
+            <a:r>
+              <a:rPr lang="en-US" sz="1800" b="0" i="0" u="none" strike="noStrike" dirty="0">
+                <a:solidFill>
+                  <a:srgbClr val="000000"/>
+                </a:solidFill>
+                <a:effectLst/>
+                <a:latin typeface="Times New Roman" panose="02020603050405020304" pitchFamily="18" charset="0"/>
+              </a:rPr>
+              <a:t> are violated</a:t>
+            </a:r>
+          </a:p>
+          <a:p>
+            <a:pPr rtl="0">
+              <a:spcBef>
+                <a:spcPts val="1400"/>
+              </a:spcBef>
+              <a:spcAft>
+                <a:spcPts val="1400"/>
+              </a:spcAft>
+            </a:pPr>
+            <a:endParaRPr lang="en-US" sz="1800" b="0" i="0" u="none" strike="noStrike" dirty="0">
+              <a:solidFill>
+                <a:srgbClr val="000000"/>
+              </a:solidFill>
+              <a:effectLst/>
+              <a:latin typeface="Times New Roman" panose="02020603050405020304" pitchFamily="18" charset="0"/>
+            </a:endParaRPr>
+          </a:p>
+          <a:p>
+            <a:pPr rtl="0">
+              <a:spcBef>
+                <a:spcPts val="1400"/>
+              </a:spcBef>
+              <a:spcAft>
+                <a:spcPts val="1400"/>
+              </a:spcAft>
+            </a:pPr>
+            <a:r>
+              <a:rPr lang="en-US" sz="1800" b="0" i="0" u="none" strike="noStrike" dirty="0">
+                <a:solidFill>
+                  <a:srgbClr val="000000"/>
+                </a:solidFill>
+                <a:effectLst/>
+                <a:latin typeface="Times New Roman" panose="02020603050405020304" pitchFamily="18" charset="0"/>
+              </a:rPr>
+              <a:t>#2 above says green module methods will be more efficient, why?</a:t>
+            </a:r>
+            <a:endParaRPr lang="en-US" sz="2800" b="0" dirty="0">
+              <a:effectLst/>
+            </a:endParaRPr>
+          </a:p>
+          <a:p>
+            <a:pPr rtl="0">
+              <a:spcBef>
+                <a:spcPts val="1400"/>
+              </a:spcBef>
+              <a:spcAft>
+                <a:spcPts val="0"/>
+              </a:spcAft>
+            </a:pPr>
+            <a:r>
+              <a:rPr lang="en-US" sz="1800" b="0" i="0" u="none" strike="noStrike" dirty="0">
+                <a:solidFill>
+                  <a:srgbClr val="000000"/>
+                </a:solidFill>
+                <a:effectLst/>
+                <a:latin typeface="Times New Roman" panose="02020603050405020304" pitchFamily="18" charset="0"/>
+              </a:rPr>
+              <a:t>Example, suppose your method is binary search of an array. You have to write that method assuming the array meets the requirement of being sorting. Otherwise, you'd have to include code in your binary search method to check that it is sorted each time that method gets called. If you did this, you just took your O(log(n)) method and turned it into an O(n) method</a:t>
+            </a:r>
+            <a:endParaRPr lang="en-US" sz="2800" b="0" dirty="0">
+              <a:effectLst/>
+            </a:endParaRPr>
+          </a:p>
+          <a:p>
+            <a:br>
+              <a:rPr lang="en-US" sz="2800" dirty="0"/>
+            </a:br>
             <a:endParaRPr lang="en-US" dirty="0"/>
           </a:p>
-          <a:p>
-            <a:endParaRPr lang="en-US" dirty="0"/>
-          </a:p>
         </p:txBody>
       </p:sp>
       <p:sp>
@@ -1180,7 +1630,7 @@
             <a:spLocks noGrp="1"/>
           </p:cNvSpPr>
           <p:nvPr>
-            <p:ph type="sldNum" sz="quarter" idx="10"/>
+            <p:ph type="sldNum" sz="quarter" idx="5"/>
           </p:nvPr>
         </p:nvSpPr>
         <p:spPr/>
@@ -1198,14 +1648,14 @@
               </a:pPr>
               <a:t>9</a:t>
             </a:fld>
-            <a:endParaRPr lang="en-US" dirty="0"/>
+            <a:endParaRPr lang="en-US"/>
           </a:p>
         </p:txBody>
       </p:sp>
     </p:spTree>
     <p:extLst>
       <p:ext uri="{BB962C8B-B14F-4D97-AF65-F5344CB8AC3E}">
-        <p14:creationId xmlns:p14="http://schemas.microsoft.com/office/powerpoint/2010/main" val="4134501965"/>
+        <p14:creationId xmlns:p14="http://schemas.microsoft.com/office/powerpoint/2010/main" val="3087341800"/>
       </p:ext>
     </p:extLst>
   </p:cSld>
@@ -1259,6 +1709,34 @@
           <a:bodyPr/>
           <a:lstStyle/>
           <a:p>
+            <a:pPr marL="0" marR="0" lvl="0" indent="0" algn="l" defTabSz="914400" rtl="0" eaLnBrk="0" fontAlgn="base" latinLnBrk="0" hangingPunct="0">
+              <a:lnSpc>
+                <a:spcPct val="100000"/>
+              </a:lnSpc>
+              <a:spcBef>
+                <a:spcPct val="30000"/>
+              </a:spcBef>
+              <a:spcAft>
+                <a:spcPct val="0"/>
+              </a:spcAft>
+              <a:buClrTx/>
+              <a:buSzTx/>
+              <a:buFontTx/>
+              <a:buNone/>
+              <a:tabLst/>
+              <a:defRPr/>
+            </a:pPr>
+            <a:r>
+              <a:rPr lang="en-US" dirty="0"/>
+              <a:t>You can decide whether you want to show</a:t>
+            </a:r>
+            <a:r>
+              <a:rPr lang="en-US" baseline="0" dirty="0"/>
+              <a:t> the students how to generate the toString and equals methods when testing the addFrac method to do an assertEquals(), or if you want to reduce the amount of time taken, you can also choose to simply compare the actual numerator and denominator as in the solution code.</a:t>
+            </a:r>
+            <a:endParaRPr lang="en-US" dirty="0"/>
+          </a:p>
+          <a:p>
             <a:endParaRPr lang="en-US" dirty="0"/>
           </a:p>
         </p:txBody>
@@ -1295,7 +1773,7 @@
     </p:spTree>
     <p:extLst>
       <p:ext uri="{BB962C8B-B14F-4D97-AF65-F5344CB8AC3E}">
-        <p14:creationId xmlns:p14="http://schemas.microsoft.com/office/powerpoint/2010/main" val="3482684289"/>
+        <p14:creationId xmlns:p14="http://schemas.microsoft.com/office/powerpoint/2010/main" val="2218103993"/>
       </p:ext>
     </p:extLst>
   </p:cSld>
@@ -1349,6 +1827,34 @@
           <a:bodyPr/>
           <a:lstStyle/>
           <a:p>
+            <a:pPr marL="0" marR="0" lvl="0" indent="0" algn="l" defTabSz="914400" rtl="0" eaLnBrk="0" fontAlgn="base" latinLnBrk="0" hangingPunct="0">
+              <a:lnSpc>
+                <a:spcPct val="100000"/>
+              </a:lnSpc>
+              <a:spcBef>
+                <a:spcPct val="30000"/>
+              </a:spcBef>
+              <a:spcAft>
+                <a:spcPct val="0"/>
+              </a:spcAft>
+              <a:buClrTx/>
+              <a:buSzTx/>
+              <a:buFontTx/>
+              <a:buNone/>
+              <a:tabLst/>
+              <a:defRPr/>
+            </a:pPr>
+            <a:r>
+              <a:rPr lang="en-US" dirty="0"/>
+              <a:t>You can decide whether you want to show</a:t>
+            </a:r>
+            <a:r>
+              <a:rPr lang="en-US" baseline="0" dirty="0"/>
+              <a:t> the students how to generate the toString and equals methods when testing the addFrac method to do an assertEquals(), or if you want to reduce the amount of time taken, you can also choose to simply compare the actual numerator and denominator as in the solution code.</a:t>
+            </a:r>
+            <a:endParaRPr lang="en-US" dirty="0"/>
+          </a:p>
+          <a:p>
             <a:endParaRPr lang="en-US" dirty="0"/>
           </a:p>
         </p:txBody>
@@ -1377,6 +1883,186 @@
                 <a:defRPr/>
               </a:pPr>
               <a:t>11</a:t>
+            </a:fld>
+            <a:endParaRPr lang="en-US" dirty="0"/>
+          </a:p>
+        </p:txBody>
+      </p:sp>
+    </p:spTree>
+    <p:extLst>
+      <p:ext uri="{BB962C8B-B14F-4D97-AF65-F5344CB8AC3E}">
+        <p14:creationId xmlns:p14="http://schemas.microsoft.com/office/powerpoint/2010/main" val="4134501965"/>
+      </p:ext>
+    </p:extLst>
+  </p:cSld>
+  <p:clrMapOvr>
+    <a:masterClrMapping/>
+  </p:clrMapOvr>
+</p:notes>
+</file>
+
+<file path=ppt/notesSlides/notesSlide6.xml><?xml version="1.0" encoding="utf-8"?>
+<p:notes xmlns:a="http://schemas.openxmlformats.org/drawingml/2006/main" xmlns:r="http://schemas.openxmlformats.org/officeDocument/2006/relationships" xmlns:p="http://schemas.openxmlformats.org/presentationml/2006/main">
+  <p:cSld>
+    <p:spTree>
+      <p:nvGrpSpPr>
+        <p:cNvPr id="1" name=""/>
+        <p:cNvGrpSpPr/>
+        <p:nvPr/>
+      </p:nvGrpSpPr>
+      <p:grpSpPr>
+        <a:xfrm>
+          <a:off x="0" y="0"/>
+          <a:ext cx="0" cy="0"/>
+          <a:chOff x="0" y="0"/>
+          <a:chExt cx="0" cy="0"/>
+        </a:xfrm>
+      </p:grpSpPr>
+      <p:sp>
+        <p:nvSpPr>
+          <p:cNvPr id="2" name="Slide Image Placeholder 1"/>
+          <p:cNvSpPr>
+            <a:spLocks noGrp="1" noRot="1" noChangeAspect="1"/>
+          </p:cNvSpPr>
+          <p:nvPr>
+            <p:ph type="sldImg"/>
+          </p:nvPr>
+        </p:nvSpPr>
+        <p:spPr/>
+      </p:sp>
+      <p:sp>
+        <p:nvSpPr>
+          <p:cNvPr id="3" name="Notes Placeholder 2"/>
+          <p:cNvSpPr>
+            <a:spLocks noGrp="1"/>
+          </p:cNvSpPr>
+          <p:nvPr>
+            <p:ph type="body" idx="1"/>
+          </p:nvPr>
+        </p:nvSpPr>
+        <p:spPr/>
+        <p:txBody>
+          <a:bodyPr/>
+          <a:lstStyle/>
+          <a:p>
+            <a:endParaRPr lang="en-US" dirty="0"/>
+          </a:p>
+        </p:txBody>
+      </p:sp>
+      <p:sp>
+        <p:nvSpPr>
+          <p:cNvPr id="4" name="Slide Number Placeholder 3"/>
+          <p:cNvSpPr>
+            <a:spLocks noGrp="1"/>
+          </p:cNvSpPr>
+          <p:nvPr>
+            <p:ph type="sldNum" sz="quarter" idx="10"/>
+          </p:nvPr>
+        </p:nvSpPr>
+        <p:spPr/>
+        <p:txBody>
+          <a:bodyPr/>
+          <a:lstStyle/>
+          <a:p>
+            <a:pPr>
+              <a:defRPr/>
+            </a:pPr>
+            <a:fld id="{41BB943A-C3B9-42AE-8B54-C2335812312E}" type="slidenum">
+              <a:rPr lang="en-US" smtClean="0"/>
+              <a:pPr>
+                <a:defRPr/>
+              </a:pPr>
+              <a:t>12</a:t>
+            </a:fld>
+            <a:endParaRPr lang="en-US" dirty="0"/>
+          </a:p>
+        </p:txBody>
+      </p:sp>
+    </p:spTree>
+    <p:extLst>
+      <p:ext uri="{BB962C8B-B14F-4D97-AF65-F5344CB8AC3E}">
+        <p14:creationId xmlns:p14="http://schemas.microsoft.com/office/powerpoint/2010/main" val="3482684289"/>
+      </p:ext>
+    </p:extLst>
+  </p:cSld>
+  <p:clrMapOvr>
+    <a:masterClrMapping/>
+  </p:clrMapOvr>
+</p:notes>
+</file>
+
+<file path=ppt/notesSlides/notesSlide7.xml><?xml version="1.0" encoding="utf-8"?>
+<p:notes xmlns:a="http://schemas.openxmlformats.org/drawingml/2006/main" xmlns:r="http://schemas.openxmlformats.org/officeDocument/2006/relationships" xmlns:p="http://schemas.openxmlformats.org/presentationml/2006/main">
+  <p:cSld>
+    <p:spTree>
+      <p:nvGrpSpPr>
+        <p:cNvPr id="1" name=""/>
+        <p:cNvGrpSpPr/>
+        <p:nvPr/>
+      </p:nvGrpSpPr>
+      <p:grpSpPr>
+        <a:xfrm>
+          <a:off x="0" y="0"/>
+          <a:ext cx="0" cy="0"/>
+          <a:chOff x="0" y="0"/>
+          <a:chExt cx="0" cy="0"/>
+        </a:xfrm>
+      </p:grpSpPr>
+      <p:sp>
+        <p:nvSpPr>
+          <p:cNvPr id="2" name="Slide Image Placeholder 1"/>
+          <p:cNvSpPr>
+            <a:spLocks noGrp="1" noRot="1" noChangeAspect="1"/>
+          </p:cNvSpPr>
+          <p:nvPr>
+            <p:ph type="sldImg"/>
+          </p:nvPr>
+        </p:nvSpPr>
+        <p:spPr/>
+      </p:sp>
+      <p:sp>
+        <p:nvSpPr>
+          <p:cNvPr id="3" name="Notes Placeholder 2"/>
+          <p:cNvSpPr>
+            <a:spLocks noGrp="1"/>
+          </p:cNvSpPr>
+          <p:nvPr>
+            <p:ph type="body" idx="1"/>
+          </p:nvPr>
+        </p:nvSpPr>
+        <p:spPr/>
+        <p:txBody>
+          <a:bodyPr/>
+          <a:lstStyle/>
+          <a:p>
+            <a:endParaRPr lang="en-US" dirty="0"/>
+          </a:p>
+        </p:txBody>
+      </p:sp>
+      <p:sp>
+        <p:nvSpPr>
+          <p:cNvPr id="4" name="Slide Number Placeholder 3"/>
+          <p:cNvSpPr>
+            <a:spLocks noGrp="1"/>
+          </p:cNvSpPr>
+          <p:nvPr>
+            <p:ph type="sldNum" sz="quarter" idx="10"/>
+          </p:nvPr>
+        </p:nvSpPr>
+        <p:spPr/>
+        <p:txBody>
+          <a:bodyPr/>
+          <a:lstStyle/>
+          <a:p>
+            <a:pPr>
+              <a:defRPr/>
+            </a:pPr>
+            <a:fld id="{41BB943A-C3B9-42AE-8B54-C2335812312E}" type="slidenum">
+              <a:rPr lang="en-US" smtClean="0"/>
+              <a:pPr>
+                <a:defRPr/>
+              </a:pPr>
+              <a:t>13</a:t>
             </a:fld>
             <a:endParaRPr lang="en-US" dirty="0"/>
           </a:p>
@@ -1580,7 +2266,7 @@
               <a:pPr>
                 <a:defRPr/>
               </a:pPr>
-              <a:t>Tuesday, November 22, 2022</a:t>
+              <a:t>Thursday, January 5, 2023</a:t>
             </a:fld>
             <a:endParaRPr lang="en-US" dirty="0"/>
           </a:p>
@@ -1763,7 +2449,7 @@
               <a:pPr>
                 <a:defRPr/>
               </a:pPr>
-              <a:t>Tuesday, November 22, 2022</a:t>
+              <a:t>Thursday, January 5, 2023</a:t>
             </a:fld>
             <a:endParaRPr lang="en-US" dirty="0"/>
           </a:p>
@@ -1956,7 +2642,7 @@
               <a:pPr>
                 <a:defRPr/>
               </a:pPr>
-              <a:t>Tuesday, November 22, 2022</a:t>
+              <a:t>Thursday, January 5, 2023</a:t>
             </a:fld>
             <a:endParaRPr lang="en-US" dirty="0"/>
           </a:p>
@@ -2139,7 +2825,7 @@
               <a:pPr>
                 <a:defRPr/>
               </a:pPr>
-              <a:t>Tuesday, November 22, 2022</a:t>
+              <a:t>Thursday, January 5, 2023</a:t>
             </a:fld>
             <a:endParaRPr lang="en-US" dirty="0"/>
           </a:p>
@@ -2399,7 +3085,7 @@
               <a:pPr>
                 <a:defRPr/>
               </a:pPr>
-              <a:t>Tuesday, November 22, 2022</a:t>
+              <a:t>Thursday, January 5, 2023</a:t>
             </a:fld>
             <a:endParaRPr lang="en-US"/>
           </a:p>
@@ -2699,7 +3385,7 @@
               <a:pPr>
                 <a:defRPr/>
               </a:pPr>
-              <a:t>Tuesday, November 22, 2022</a:t>
+              <a:t>Thursday, January 5, 2023</a:t>
             </a:fld>
             <a:endParaRPr lang="en-US"/>
           </a:p>
@@ -3133,7 +3819,7 @@
               <a:pPr>
                 <a:defRPr/>
               </a:pPr>
-              <a:t>Tuesday, November 22, 2022</a:t>
+              <a:t>Thursday, January 5, 2023</a:t>
             </a:fld>
             <a:endParaRPr lang="en-US"/>
           </a:p>
@@ -3265,7 +3951,7 @@
               <a:pPr>
                 <a:defRPr/>
               </a:pPr>
-              <a:t>Tuesday, November 22, 2022</a:t>
+              <a:t>Thursday, January 5, 2023</a:t>
             </a:fld>
             <a:endParaRPr lang="en-US"/>
           </a:p>
@@ -3375,7 +4061,7 @@
               <a:pPr>
                 <a:defRPr/>
               </a:pPr>
-              <a:t>Tuesday, November 22, 2022</a:t>
+              <a:t>Thursday, January 5, 2023</a:t>
             </a:fld>
             <a:endParaRPr lang="en-US" dirty="0"/>
           </a:p>
@@ -3665,7 +4351,7 @@
               <a:pPr>
                 <a:defRPr/>
               </a:pPr>
-              <a:t>Tuesday, November 22, 2022</a:t>
+              <a:t>Thursday, January 5, 2023</a:t>
             </a:fld>
             <a:endParaRPr lang="en-US"/>
           </a:p>
@@ -3932,7 +4618,7 @@
               <a:pPr>
                 <a:defRPr/>
               </a:pPr>
-              <a:t>Tuesday, November 22, 2022</a:t>
+              <a:t>Thursday, January 5, 2023</a:t>
             </a:fld>
             <a:endParaRPr lang="en-US"/>
           </a:p>
@@ -4158,7 +4844,7 @@
               <a:pPr>
                 <a:defRPr/>
               </a:pPr>
-              <a:t>Tuesday, November 22, 2022</a:t>
+              <a:t>Thursday, January 5, 2023</a:t>
             </a:fld>
             <a:endParaRPr lang="en-US" dirty="0"/>
           </a:p>
@@ -4714,6 +5400,230 @@
             <p:ph type="title"/>
           </p:nvPr>
         </p:nvSpPr>
+        <p:spPr/>
+        <p:txBody>
+          <a:bodyPr/>
+          <a:lstStyle/>
+          <a:p>
+            <a:r>
+              <a:rPr lang="en-US" dirty="0"/>
+              <a:t>Unit Testing</a:t>
+            </a:r>
+          </a:p>
+        </p:txBody>
+      </p:sp>
+      <p:sp>
+        <p:nvSpPr>
+          <p:cNvPr id="3" name="Content Placeholder 2"/>
+          <p:cNvSpPr>
+            <a:spLocks noGrp="1"/>
+          </p:cNvSpPr>
+          <p:nvPr>
+            <p:ph idx="1"/>
+          </p:nvPr>
+        </p:nvSpPr>
+        <p:spPr/>
+        <p:txBody>
+          <a:bodyPr/>
+          <a:lstStyle/>
+          <a:p>
+            <a:r>
+              <a:rPr lang="en-US" dirty="0"/>
+              <a:t>Use JUnit “assert” to make sure results match</a:t>
+            </a:r>
+            <a:br>
+              <a:rPr lang="en-US" dirty="0"/>
+            </a:br>
+            <a:r>
+              <a:rPr lang="en-US" sz="1600" dirty="0">
+                <a:latin typeface="Courier New" panose="02070309020205020404" pitchFamily="49" charset="0"/>
+                <a:cs typeface="Courier New" panose="02070309020205020404" pitchFamily="49" charset="0"/>
+                <a:hlinkClick r:id="rId3"/>
+              </a:rPr>
+              <a:t>https://junit.org/junit4/javadoc/latest/org/junit/Assert.html</a:t>
+            </a:r>
+            <a:r>
+              <a:rPr lang="en-US" dirty="0"/>
+              <a:t> </a:t>
+            </a:r>
+          </a:p>
+          <a:p>
+            <a:r>
+              <a:rPr lang="en-US" dirty="0"/>
+              <a:t>Let’s look at BadFrac.java and BadFracTest.java</a:t>
+            </a:r>
+          </a:p>
+          <a:p>
+            <a:pPr lvl="1"/>
+            <a:r>
+              <a:rPr lang="en-US" dirty="0"/>
+              <a:t>Let’s make some unit tests and figure out why this project has been yielding some strange results</a:t>
+            </a:r>
+          </a:p>
+        </p:txBody>
+      </p:sp>
+    </p:spTree>
+    <p:extLst>
+      <p:ext uri="{BB962C8B-B14F-4D97-AF65-F5344CB8AC3E}">
+        <p14:creationId xmlns:p14="http://schemas.microsoft.com/office/powerpoint/2010/main" val="4114754322"/>
+      </p:ext>
+    </p:extLst>
+  </p:cSld>
+  <p:clrMapOvr>
+    <a:masterClrMapping/>
+  </p:clrMapOvr>
+</p:sld>
+</file>
+
+<file path=ppt/slides/slide11.xml><?xml version="1.0" encoding="utf-8"?>
+<p:sld xmlns:a="http://schemas.openxmlformats.org/drawingml/2006/main" xmlns:r="http://schemas.openxmlformats.org/officeDocument/2006/relationships" xmlns:p="http://schemas.openxmlformats.org/presentationml/2006/main">
+  <p:cSld>
+    <p:spTree>
+      <p:nvGrpSpPr>
+        <p:cNvPr id="1" name=""/>
+        <p:cNvGrpSpPr/>
+        <p:nvPr/>
+      </p:nvGrpSpPr>
+      <p:grpSpPr>
+        <a:xfrm>
+          <a:off x="0" y="0"/>
+          <a:ext cx="0" cy="0"/>
+          <a:chOff x="0" y="0"/>
+          <a:chExt cx="0" cy="0"/>
+        </a:xfrm>
+      </p:grpSpPr>
+      <p:sp>
+        <p:nvSpPr>
+          <p:cNvPr id="2" name="Title 1"/>
+          <p:cNvSpPr>
+            <a:spLocks noGrp="1"/>
+          </p:cNvSpPr>
+          <p:nvPr>
+            <p:ph type="title"/>
+          </p:nvPr>
+        </p:nvSpPr>
+        <p:spPr>
+          <a:xfrm>
+            <a:off x="457200" y="152400"/>
+            <a:ext cx="8229600" cy="1265238"/>
+          </a:xfrm>
+        </p:spPr>
+        <p:txBody>
+          <a:bodyPr/>
+          <a:lstStyle/>
+          <a:p>
+            <a:r>
+              <a:rPr lang="en-US" dirty="0"/>
+              <a:t>Unit Testing</a:t>
+            </a:r>
+          </a:p>
+        </p:txBody>
+      </p:sp>
+      <p:sp>
+        <p:nvSpPr>
+          <p:cNvPr id="3" name="Content Placeholder 2"/>
+          <p:cNvSpPr>
+            <a:spLocks noGrp="1"/>
+          </p:cNvSpPr>
+          <p:nvPr>
+            <p:ph idx="1"/>
+          </p:nvPr>
+        </p:nvSpPr>
+        <p:spPr>
+          <a:xfrm>
+            <a:off x="457200" y="1143000"/>
+            <a:ext cx="8610600" cy="4983163"/>
+          </a:xfrm>
+        </p:spPr>
+        <p:txBody>
+          <a:bodyPr/>
+          <a:lstStyle/>
+          <a:p>
+            <a:r>
+              <a:rPr lang="en-US" dirty="0"/>
+              <a:t>Create </a:t>
+            </a:r>
+            <a:r>
+              <a:rPr lang="en-US" i="1" dirty="0" err="1"/>
+              <a:t>BadFracTest.java</a:t>
+            </a:r>
+            <a:r>
+              <a:rPr lang="en-US" dirty="0"/>
+              <a:t> – then create test cases</a:t>
+            </a:r>
+          </a:p>
+        </p:txBody>
+      </p:sp>
+      <p:pic>
+        <p:nvPicPr>
+          <p:cNvPr id="5" name="Picture 4">
+            <a:extLst>
+              <a:ext uri="{FF2B5EF4-FFF2-40B4-BE49-F238E27FC236}">
+                <a16:creationId xmlns:a16="http://schemas.microsoft.com/office/drawing/2014/main" id="{DFA7F2F9-BE22-5249-A6F5-63A41A8A8EFA}"/>
+              </a:ext>
+            </a:extLst>
+          </p:cNvPr>
+          <p:cNvPicPr>
+            <a:picLocks noChangeAspect="1"/>
+          </p:cNvPicPr>
+          <p:nvPr/>
+        </p:nvPicPr>
+        <p:blipFill>
+          <a:blip r:embed="rId3"/>
+          <a:stretch>
+            <a:fillRect/>
+          </a:stretch>
+        </p:blipFill>
+        <p:spPr>
+          <a:xfrm>
+            <a:off x="76200" y="1816545"/>
+            <a:ext cx="9144000" cy="5033818"/>
+          </a:xfrm>
+          <a:prstGeom prst="rect">
+            <a:avLst/>
+          </a:prstGeom>
+        </p:spPr>
+      </p:pic>
+    </p:spTree>
+    <p:extLst>
+      <p:ext uri="{BB962C8B-B14F-4D97-AF65-F5344CB8AC3E}">
+        <p14:creationId xmlns:p14="http://schemas.microsoft.com/office/powerpoint/2010/main" val="3442696283"/>
+      </p:ext>
+    </p:extLst>
+  </p:cSld>
+  <p:clrMapOvr>
+    <a:masterClrMapping/>
+  </p:clrMapOvr>
+</p:sld>
+</file>
+
+<file path=ppt/slides/slide12.xml><?xml version="1.0" encoding="utf-8"?>
+<p:sld xmlns:a="http://schemas.openxmlformats.org/drawingml/2006/main" xmlns:r="http://schemas.openxmlformats.org/officeDocument/2006/relationships" xmlns:p="http://schemas.openxmlformats.org/presentationml/2006/main">
+  <p:cSld>
+    <p:spTree>
+      <p:nvGrpSpPr>
+        <p:cNvPr id="1" name=""/>
+        <p:cNvGrpSpPr/>
+        <p:nvPr/>
+      </p:nvGrpSpPr>
+      <p:grpSpPr>
+        <a:xfrm>
+          <a:off x="0" y="0"/>
+          <a:ext cx="0" cy="0"/>
+          <a:chOff x="0" y="0"/>
+          <a:chExt cx="0" cy="0"/>
+        </a:xfrm>
+      </p:grpSpPr>
+      <p:sp>
+        <p:nvSpPr>
+          <p:cNvPr id="2" name="Title 1"/>
+          <p:cNvSpPr>
+            <a:spLocks noGrp="1"/>
+          </p:cNvSpPr>
+          <p:nvPr>
+            <p:ph type="title"/>
+          </p:nvPr>
+        </p:nvSpPr>
         <p:spPr>
           <a:xfrm>
             <a:off x="457200" y="152400"/>
@@ -4774,7 +5684,7 @@
 </p:sld>
 </file>
 
-<file path=ppt/slides/slide11.xml><?xml version="1.0" encoding="utf-8"?>
+<file path=ppt/slides/slide13.xml><?xml version="1.0" encoding="utf-8"?>
 <p:sld xmlns:a="http://schemas.openxmlformats.org/drawingml/2006/main" xmlns:r="http://schemas.openxmlformats.org/officeDocument/2006/relationships" xmlns:p="http://schemas.openxmlformats.org/presentationml/2006/main">
   <p:cSld>
     <p:spTree>
@@ -4861,7 +5771,7 @@
 </p:sld>
 </file>
 
-<file path=ppt/slides/slide12.xml><?xml version="1.0" encoding="utf-8"?>
+<file path=ppt/slides/slide14.xml><?xml version="1.0" encoding="utf-8"?>
 <p:sld xmlns:a="http://schemas.openxmlformats.org/drawingml/2006/main" xmlns:r="http://schemas.openxmlformats.org/officeDocument/2006/relationships" xmlns:p="http://schemas.openxmlformats.org/presentationml/2006/main">
   <p:cSld>
     <p:spTree>
@@ -5790,12 +6700,8 @@
               <a:t>depositAmount</a:t>
             </a:r>
             <a:r>
-              <a:rPr lang="en-US"/>
-              <a:t> &gt; </a:t>
-            </a:r>
-            <a:r>
               <a:rPr lang="en-US" dirty="0"/>
-              <a:t>0</a:t>
+              <a:t> &gt; 0</a:t>
             </a:r>
           </a:p>
           <a:p>
@@ -5937,7 +6843,13 @@
       </p:grpSpPr>
       <p:sp>
         <p:nvSpPr>
-          <p:cNvPr id="2" name="Title 1"/>
+          <p:cNvPr id="2" name="Title 1">
+            <a:extLst>
+              <a:ext uri="{FF2B5EF4-FFF2-40B4-BE49-F238E27FC236}">
+                <a16:creationId xmlns:a16="http://schemas.microsoft.com/office/drawing/2014/main" id="{35C1B8EF-0F32-A880-F309-8620FFB337F0}"/>
+              </a:ext>
+            </a:extLst>
+          </p:cNvPr>
           <p:cNvSpPr>
             <a:spLocks noGrp="1"/>
           </p:cNvSpPr>
@@ -5945,21 +6857,51 @@
             <p:ph type="title"/>
           </p:nvPr>
         </p:nvSpPr>
-        <p:spPr/>
-        <p:txBody>
-          <a:bodyPr/>
-          <a:lstStyle/>
-          <a:p>
-            <a:r>
-              <a:rPr lang="en-US" dirty="0"/>
-              <a:t>Unit Testing</a:t>
-            </a:r>
-          </a:p>
-        </p:txBody>
-      </p:sp>
-      <p:sp>
-        <p:nvSpPr>
-          <p:cNvPr id="3" name="Content Placeholder 2"/>
+        <p:spPr>
+          <a:xfrm>
+            <a:off x="437941" y="0"/>
+            <a:ext cx="8229600" cy="1143000"/>
+          </a:xfrm>
+        </p:spPr>
+        <p:txBody>
+          <a:bodyPr>
+            <a:normAutofit/>
+          </a:bodyPr>
+          <a:lstStyle/>
+          <a:p>
+            <a:r>
+              <a:rPr lang="en-US" sz="2800" b="1" i="0" u="none" strike="noStrike" dirty="0">
+                <a:solidFill>
+                  <a:srgbClr val="000000"/>
+                </a:solidFill>
+                <a:effectLst/>
+                <a:latin typeface="Times New Roman" panose="02020603050405020304" pitchFamily="18" charset="0"/>
+              </a:rPr>
+              <a:t>Writing JUnit Tests for the </a:t>
+            </a:r>
+            <a:r>
+              <a:rPr lang="en-US" sz="2800" b="1" i="1" u="none" strike="noStrike" dirty="0">
+                <a:solidFill>
+                  <a:srgbClr val="000000"/>
+                </a:solidFill>
+                <a:effectLst/>
+                <a:latin typeface="Times New Roman" panose="02020603050405020304" pitchFamily="18" charset="0"/>
+              </a:rPr>
+              <a:t>green modules</a:t>
+            </a:r>
+            <a:endParaRPr lang="en-US" sz="6000" b="1" dirty="0"/>
+          </a:p>
+        </p:txBody>
+      </p:sp>
+      <p:sp>
+        <p:nvSpPr>
+          <p:cNvPr id="3" name="Content Placeholder 2">
+            <a:extLst>
+              <a:ext uri="{FF2B5EF4-FFF2-40B4-BE49-F238E27FC236}">
+                <a16:creationId xmlns:a16="http://schemas.microsoft.com/office/drawing/2014/main" id="{99879BF9-65E9-908C-0D16-DC0867FCB1D3}"/>
+              </a:ext>
+            </a:extLst>
+          </p:cNvPr>
           <p:cNvSpPr>
             <a:spLocks noGrp="1"/>
           </p:cNvSpPr>
@@ -5967,50 +6909,123 @@
             <p:ph idx="1"/>
           </p:nvPr>
         </p:nvSpPr>
-        <p:spPr/>
-        <p:txBody>
-          <a:bodyPr/>
-          <a:lstStyle/>
-          <a:p>
-            <a:r>
-              <a:rPr lang="en-US" dirty="0"/>
-              <a:t>Use JUnit “assert” to make sure results match</a:t>
-            </a:r>
-            <a:br>
-              <a:rPr lang="en-US" dirty="0"/>
-            </a:br>
-            <a:r>
-              <a:rPr lang="en-US" sz="1600" dirty="0">
-                <a:latin typeface="Courier New" panose="02070309020205020404" pitchFamily="49" charset="0"/>
-                <a:cs typeface="Courier New" panose="02070309020205020404" pitchFamily="49" charset="0"/>
-                <a:hlinkClick r:id="rId3"/>
-              </a:rPr>
-              <a:t>https://junit.org/junit4/javadoc/latest/org/junit/Assert.html</a:t>
-            </a:r>
-            <a:r>
-              <a:rPr lang="en-US" dirty="0"/>
-              <a:t> </a:t>
-            </a:r>
-          </a:p>
-          <a:p>
-            <a:r>
-              <a:rPr lang="en-US" dirty="0"/>
-              <a:t>Let’s look at BadFrac.java and BadFracTest.java</a:t>
-            </a:r>
-          </a:p>
-          <a:p>
-            <a:pPr lvl="1"/>
-            <a:r>
-              <a:rPr lang="en-US" dirty="0"/>
-              <a:t>Let’s make some unit tests and figure out why this project has been yielding some strange results</a:t>
-            </a:r>
-          </a:p>
-        </p:txBody>
-      </p:sp>
+        <p:spPr>
+          <a:xfrm>
+            <a:off x="457200" y="4419600"/>
+            <a:ext cx="8229600" cy="1706563"/>
+          </a:xfrm>
+        </p:spPr>
+        <p:txBody>
+          <a:bodyPr>
+            <a:normAutofit/>
+          </a:bodyPr>
+          <a:lstStyle/>
+          <a:p>
+            <a:r>
+              <a:rPr lang="en-US" sz="2400" dirty="0"/>
+              <a:t>We write unit test cases with certain “requirements”</a:t>
+            </a:r>
+          </a:p>
+          <a:p>
+            <a:r>
+              <a:rPr lang="en-US" sz="2400" dirty="0"/>
+              <a:t>If a problem states that something is “required” then you </a:t>
+            </a:r>
+            <a:r>
+              <a:rPr lang="en-US" sz="2400" b="1" dirty="0"/>
+              <a:t>should</a:t>
+            </a:r>
+            <a:r>
+              <a:rPr lang="en-US" sz="2400" dirty="0"/>
+              <a:t> trust it</a:t>
+            </a:r>
+          </a:p>
+          <a:p>
+            <a:r>
+              <a:rPr lang="en-US" sz="2400" dirty="0"/>
+              <a:t>If the data is </a:t>
+            </a:r>
+            <a:r>
+              <a:rPr lang="en-US" sz="2400" b="1" dirty="0"/>
+              <a:t>NOT</a:t>
+            </a:r>
+            <a:r>
+              <a:rPr lang="en-US" sz="2400" dirty="0"/>
+              <a:t> trustworthy then </a:t>
+            </a:r>
+            <a:r>
+              <a:rPr lang="en-US" sz="2400" b="1" i="1" dirty="0"/>
+              <a:t>you</a:t>
+            </a:r>
+            <a:r>
+              <a:rPr lang="en-US" sz="2400" dirty="0"/>
+              <a:t> are </a:t>
+            </a:r>
+            <a:r>
+              <a:rPr lang="en-US" sz="2400" b="1" dirty="0"/>
+              <a:t>NOT</a:t>
+            </a:r>
+            <a:r>
+              <a:rPr lang="en-US" sz="2400" dirty="0"/>
+              <a:t> at fault</a:t>
+            </a:r>
+          </a:p>
+          <a:p>
+            <a:endParaRPr lang="en-US" sz="2400" dirty="0"/>
+          </a:p>
+        </p:txBody>
+      </p:sp>
+      <p:pic>
+        <p:nvPicPr>
+          <p:cNvPr id="1026" name="Picture 2" descr="Diagram&#10;&#10;Description automatically generated">
+            <a:extLst>
+              <a:ext uri="{FF2B5EF4-FFF2-40B4-BE49-F238E27FC236}">
+                <a16:creationId xmlns:a16="http://schemas.microsoft.com/office/drawing/2014/main" id="{97F88AF4-3F21-46D4-975E-7F6BBF1AFE7A}"/>
+              </a:ext>
+            </a:extLst>
+          </p:cNvPr>
+          <p:cNvPicPr>
+            <a:picLocks noChangeAspect="1" noChangeArrowheads="1"/>
+          </p:cNvPicPr>
+          <p:nvPr/>
+        </p:nvPicPr>
+        <p:blipFill>
+          <a:blip r:embed="rId3">
+            <a:extLst>
+              <a:ext uri="{28A0092B-C50C-407E-A947-70E740481C1C}">
+                <a14:useLocalDpi xmlns:a14="http://schemas.microsoft.com/office/drawing/2010/main" val="0"/>
+              </a:ext>
+            </a:extLst>
+          </a:blip>
+          <a:srcRect/>
+          <a:stretch>
+            <a:fillRect/>
+          </a:stretch>
+        </p:blipFill>
+        <p:spPr bwMode="auto">
+          <a:xfrm>
+            <a:off x="2514600" y="990600"/>
+            <a:ext cx="4410075" cy="3162300"/>
+          </a:xfrm>
+          <a:prstGeom prst="rect">
+            <a:avLst/>
+          </a:prstGeom>
+          <a:noFill/>
+          <a:extLst>
+            <a:ext uri="{909E8E84-426E-40DD-AFC4-6F175D3DCCD1}">
+              <a14:hiddenFill xmlns:a14="http://schemas.microsoft.com/office/drawing/2010/main">
+                <a:solidFill>
+                  <a:srgbClr val="FFFFFF"/>
+                </a:solidFill>
+              </a14:hiddenFill>
+            </a:ext>
+          </a:extLst>
+        </p:spPr>
+      </p:pic>
     </p:spTree>
     <p:extLst>
       <p:ext uri="{BB962C8B-B14F-4D97-AF65-F5344CB8AC3E}">
-        <p14:creationId xmlns:p14="http://schemas.microsoft.com/office/powerpoint/2010/main" val="4114754322"/>
+        <p14:creationId xmlns:p14="http://schemas.microsoft.com/office/powerpoint/2010/main" val="2111241118"/>
       </p:ext>
     </p:extLst>
   </p:cSld>
@@ -6039,7 +7054,13 @@
       </p:grpSpPr>
       <p:sp>
         <p:nvSpPr>
-          <p:cNvPr id="2" name="Title 1"/>
+          <p:cNvPr id="2" name="Title 1">
+            <a:extLst>
+              <a:ext uri="{FF2B5EF4-FFF2-40B4-BE49-F238E27FC236}">
+                <a16:creationId xmlns:a16="http://schemas.microsoft.com/office/drawing/2014/main" id="{35C1B8EF-0F32-A880-F309-8620FFB337F0}"/>
+              </a:ext>
+            </a:extLst>
+          </p:cNvPr>
           <p:cNvSpPr>
             <a:spLocks noGrp="1"/>
           </p:cNvSpPr>
@@ -6049,24 +7070,49 @@
         </p:nvSpPr>
         <p:spPr>
           <a:xfrm>
-            <a:off x="457200" y="152400"/>
-            <a:ext cx="8229600" cy="1265238"/>
+            <a:off x="437941" y="0"/>
+            <a:ext cx="8229600" cy="1143000"/>
           </a:xfrm>
         </p:spPr>
         <p:txBody>
-          <a:bodyPr/>
-          <a:lstStyle/>
-          <a:p>
-            <a:r>
-              <a:rPr lang="en-US" dirty="0"/>
-              <a:t>Unit Testing</a:t>
-            </a:r>
-          </a:p>
-        </p:txBody>
-      </p:sp>
-      <p:sp>
-        <p:nvSpPr>
-          <p:cNvPr id="3" name="Content Placeholder 2"/>
+          <a:bodyPr>
+            <a:normAutofit/>
+          </a:bodyPr>
+          <a:lstStyle/>
+          <a:p>
+            <a:r>
+              <a:rPr lang="en-US" sz="2800" b="1" i="0" u="none" strike="noStrike" dirty="0">
+                <a:solidFill>
+                  <a:srgbClr val="000000"/>
+                </a:solidFill>
+                <a:effectLst/>
+                <a:latin typeface="Times New Roman" panose="02020603050405020304" pitchFamily="18" charset="0"/>
+              </a:rPr>
+              <a:t>Writing JUnit Tests for the </a:t>
+            </a:r>
+            <a:r>
+              <a:rPr lang="en-US" sz="2800" b="1" i="1" u="none" strike="noStrike" dirty="0">
+                <a:solidFill>
+                  <a:srgbClr val="000000"/>
+                </a:solidFill>
+                <a:effectLst/>
+                <a:latin typeface="Times New Roman" panose="02020603050405020304" pitchFamily="18" charset="0"/>
+              </a:rPr>
+              <a:t>green modules</a:t>
+            </a:r>
+            <a:endParaRPr lang="en-US" sz="6000" b="1" dirty="0"/>
+          </a:p>
+        </p:txBody>
+      </p:sp>
+      <p:sp>
+        <p:nvSpPr>
+          <p:cNvPr id="3" name="Content Placeholder 2">
+            <a:extLst>
+              <a:ext uri="{FF2B5EF4-FFF2-40B4-BE49-F238E27FC236}">
+                <a16:creationId xmlns:a16="http://schemas.microsoft.com/office/drawing/2014/main" id="{99879BF9-65E9-908C-0D16-DC0867FCB1D3}"/>
+              </a:ext>
+            </a:extLst>
+          </p:cNvPr>
           <p:cNvSpPr>
             <a:spLocks noGrp="1"/>
           </p:cNvSpPr>
@@ -6076,63 +7122,128 @@
         </p:nvSpPr>
         <p:spPr>
           <a:xfrm>
-            <a:off x="457200" y="1143000"/>
-            <a:ext cx="8610600" cy="4983163"/>
+            <a:off x="457200" y="4419600"/>
+            <a:ext cx="8229600" cy="1706563"/>
           </a:xfrm>
         </p:spPr>
         <p:txBody>
-          <a:bodyPr/>
-          <a:lstStyle/>
-          <a:p>
-            <a:r>
-              <a:rPr lang="en-US" dirty="0"/>
-              <a:t>Create </a:t>
-            </a:r>
-            <a:r>
-              <a:rPr lang="en-US" i="1" dirty="0" err="1"/>
-              <a:t>BadFracTest.java</a:t>
-            </a:r>
-            <a:r>
-              <a:rPr lang="en-US" dirty="0"/>
-              <a:t> – then create test cases</a:t>
-            </a:r>
+          <a:bodyPr>
+            <a:normAutofit lnSpcReduction="10000"/>
+          </a:bodyPr>
+          <a:lstStyle/>
+          <a:p>
+            <a:pPr marL="0" indent="0">
+              <a:buNone/>
+            </a:pPr>
+            <a:r>
+              <a:rPr lang="en-US" sz="2400" dirty="0">
+                <a:solidFill>
+                  <a:srgbClr val="000000"/>
+                </a:solidFill>
+                <a:latin typeface="Times New Roman" panose="02020603050405020304" pitchFamily="18" charset="0"/>
+              </a:rPr>
+              <a:t>T</a:t>
+            </a:r>
+            <a:r>
+              <a:rPr lang="en-US" sz="2400" b="0" i="0" u="none" strike="noStrike" dirty="0">
+                <a:solidFill>
+                  <a:srgbClr val="000000"/>
+                </a:solidFill>
+                <a:effectLst/>
+                <a:latin typeface="Times New Roman" panose="02020603050405020304" pitchFamily="18" charset="0"/>
+              </a:rPr>
+              <a:t>his allows the code in a green module method to be</a:t>
+            </a:r>
+          </a:p>
+          <a:p>
+            <a:pPr marL="457200" indent="-457200">
+              <a:buFont typeface="+mj-lt"/>
+              <a:buAutoNum type="arabicPeriod"/>
+            </a:pPr>
+            <a:r>
+              <a:rPr lang="en-US" sz="2400" dirty="0"/>
+              <a:t>Simpler</a:t>
+            </a:r>
+          </a:p>
+          <a:p>
+            <a:pPr marL="457200" indent="-457200">
+              <a:buFont typeface="+mj-lt"/>
+              <a:buAutoNum type="arabicPeriod"/>
+            </a:pPr>
+            <a:r>
+              <a:rPr lang="en-US" sz="2400" dirty="0"/>
+              <a:t>More efficient</a:t>
+            </a:r>
+          </a:p>
+          <a:p>
+            <a:pPr marL="457200" indent="-457200">
+              <a:buFont typeface="+mj-lt"/>
+              <a:buAutoNum type="arabicPeriod"/>
+            </a:pPr>
+            <a:r>
+              <a:rPr lang="en-US" sz="2400" dirty="0"/>
+              <a:t>Always written consistently (assumes requirements met)</a:t>
+            </a:r>
+          </a:p>
+          <a:p>
+            <a:endParaRPr lang="en-US" sz="2400" dirty="0"/>
+          </a:p>
+          <a:p>
+            <a:endParaRPr lang="en-US" sz="2400" dirty="0"/>
           </a:p>
         </p:txBody>
       </p:sp>
       <p:pic>
         <p:nvPicPr>
-          <p:cNvPr id="5" name="Picture 4">
+          <p:cNvPr id="1026" name="Picture 2" descr="Diagram&#10;&#10;Description automatically generated">
             <a:extLst>
               <a:ext uri="{FF2B5EF4-FFF2-40B4-BE49-F238E27FC236}">
-                <a16:creationId xmlns:a16="http://schemas.microsoft.com/office/drawing/2014/main" id="{DFA7F2F9-BE22-5249-A6F5-63A41A8A8EFA}"/>
+                <a16:creationId xmlns:a16="http://schemas.microsoft.com/office/drawing/2014/main" id="{97F88AF4-3F21-46D4-975E-7F6BBF1AFE7A}"/>
               </a:ext>
             </a:extLst>
           </p:cNvPr>
           <p:cNvPicPr>
-            <a:picLocks noChangeAspect="1"/>
+            <a:picLocks noChangeAspect="1" noChangeArrowheads="1"/>
           </p:cNvPicPr>
           <p:nvPr/>
         </p:nvPicPr>
         <p:blipFill>
-          <a:blip r:embed="rId3"/>
+          <a:blip r:embed="rId3">
+            <a:extLst>
+              <a:ext uri="{28A0092B-C50C-407E-A947-70E740481C1C}">
+                <a14:useLocalDpi xmlns:a14="http://schemas.microsoft.com/office/drawing/2010/main" val="0"/>
+              </a:ext>
+            </a:extLst>
+          </a:blip>
+          <a:srcRect/>
           <a:stretch>
             <a:fillRect/>
           </a:stretch>
         </p:blipFill>
-        <p:spPr>
+        <p:spPr bwMode="auto">
           <a:xfrm>
-            <a:off x="76200" y="1816545"/>
-            <a:ext cx="9144000" cy="5033818"/>
+            <a:off x="2514600" y="990600"/>
+            <a:ext cx="4410075" cy="3162300"/>
           </a:xfrm>
           <a:prstGeom prst="rect">
             <a:avLst/>
           </a:prstGeom>
+          <a:noFill/>
+          <a:extLst>
+            <a:ext uri="{909E8E84-426E-40DD-AFC4-6F175D3DCCD1}">
+              <a14:hiddenFill xmlns:a14="http://schemas.microsoft.com/office/drawing/2010/main">
+                <a:solidFill>
+                  <a:srgbClr val="FFFFFF"/>
+                </a:solidFill>
+              </a14:hiddenFill>
+            </a:ext>
+          </a:extLst>
         </p:spPr>
       </p:pic>
     </p:spTree>
     <p:extLst>
       <p:ext uri="{BB962C8B-B14F-4D97-AF65-F5344CB8AC3E}">
-        <p14:creationId xmlns:p14="http://schemas.microsoft.com/office/powerpoint/2010/main" val="3442696283"/>
+        <p14:creationId xmlns:p14="http://schemas.microsoft.com/office/powerpoint/2010/main" val="1310548794"/>
       </p:ext>
     </p:extLst>
   </p:cSld>
@@ -6991,17 +8102,6 @@
 </file>
 
 <file path=customXml/item1.xml><?xml version="1.0" encoding="utf-8"?>
-<p:properties xmlns:p="http://schemas.microsoft.com/office/2006/metadata/properties" xmlns:xsi="http://www.w3.org/2001/XMLSchema-instance" xmlns:pc="http://schemas.microsoft.com/office/infopath/2007/PartnerControls">
-  <documentManagement>
-    <TaxCatchAll xmlns="820f9cb1-409d-4c4b-8197-1d4f7dd48124" xsi:nil="true"/>
-    <lcf76f155ced4ddcb4097134ff3c332f xmlns="08600313-7276-4ca7-b5d3-7d86193ee0ac">
-      <Terms xmlns="http://schemas.microsoft.com/office/infopath/2007/PartnerControls"/>
-    </lcf76f155ced4ddcb4097134ff3c332f>
-  </documentManagement>
-</p:properties>
-</file>
-
-<file path=customXml/item2.xml><?xml version="1.0" encoding="utf-8"?>
 <ct:contentTypeSchema xmlns:ct="http://schemas.microsoft.com/office/2006/metadata/contentType" xmlns:ma="http://schemas.microsoft.com/office/2006/metadata/properties/metaAttributes" ct:_="" ma:_="" ma:contentTypeName="Document" ma:contentTypeID="0x0101004285D81DBE5F5A448E892B34D6B8CF20" ma:contentTypeVersion="8" ma:contentTypeDescription="Create a new document." ma:contentTypeScope="" ma:versionID="ecce54155d2ea7caa9aed06c8b6b9867">
   <xsd:schema xmlns:xsd="http://www.w3.org/2001/XMLSchema" xmlns:xs="http://www.w3.org/2001/XMLSchema" xmlns:p="http://schemas.microsoft.com/office/2006/metadata/properties" xmlns:ns2="08600313-7276-4ca7-b5d3-7d86193ee0ac" xmlns:ns3="820f9cb1-409d-4c4b-8197-1d4f7dd48124" targetNamespace="http://schemas.microsoft.com/office/2006/metadata/properties" ma:root="true" ma:fieldsID="bfd7385540b70b2fe84ac888cc214377" ns2:_="" ns3:_="">
     <xsd:import namespace="08600313-7276-4ca7-b5d3-7d86193ee0ac"/>
@@ -7178,6 +8278,17 @@
 </ct:contentTypeSchema>
 </file>
 
+<file path=customXml/item2.xml><?xml version="1.0" encoding="utf-8"?>
+<p:properties xmlns:p="http://schemas.microsoft.com/office/2006/metadata/properties" xmlns:xsi="http://www.w3.org/2001/XMLSchema-instance" xmlns:pc="http://schemas.microsoft.com/office/infopath/2007/PartnerControls">
+  <documentManagement>
+    <TaxCatchAll xmlns="820f9cb1-409d-4c4b-8197-1d4f7dd48124" xsi:nil="true"/>
+    <lcf76f155ced4ddcb4097134ff3c332f xmlns="08600313-7276-4ca7-b5d3-7d86193ee0ac">
+      <Terms xmlns="http://schemas.microsoft.com/office/infopath/2007/PartnerControls"/>
+    </lcf76f155ced4ddcb4097134ff3c332f>
+  </documentManagement>
+</p:properties>
+</file>
+
 <file path=customXml/item3.xml><?xml version="1.0" encoding="utf-8"?>
 <?mso-contentType ?>
 <FormTemplates xmlns="http://schemas.microsoft.com/sharepoint/v3/contenttype/forms">
@@ -7188,17 +8299,6 @@
 </file>
 
 <file path=customXml/itemProps1.xml><?xml version="1.0" encoding="utf-8"?>
-<ds:datastoreItem xmlns:ds="http://schemas.openxmlformats.org/officeDocument/2006/customXml" ds:itemID="{EB69D980-10BF-43F2-8F41-9F5218CC07AD}">
-  <ds:schemaRefs>
-    <ds:schemaRef ds:uri="http://schemas.microsoft.com/office/2006/metadata/properties"/>
-    <ds:schemaRef ds:uri="http://schemas.microsoft.com/office/infopath/2007/PartnerControls"/>
-    <ds:schemaRef ds:uri="820f9cb1-409d-4c4b-8197-1d4f7dd48124"/>
-    <ds:schemaRef ds:uri="08600313-7276-4ca7-b5d3-7d86193ee0ac"/>
-  </ds:schemaRefs>
-</ds:datastoreItem>
-</file>
-
-<file path=customXml/itemProps2.xml><?xml version="1.0" encoding="utf-8"?>
 <ds:datastoreItem xmlns:ds="http://schemas.openxmlformats.org/officeDocument/2006/customXml" ds:itemID="{2C9829EE-E9BA-4487-9787-07D4B8A41846}">
   <ds:schemaRefs>
     <ds:schemaRef ds:uri="http://schemas.microsoft.com/office/2006/metadata/contentType"/>
@@ -7217,6 +8317,17 @@
 </ds:datastoreItem>
 </file>
 
+<file path=customXml/itemProps2.xml><?xml version="1.0" encoding="utf-8"?>
+<ds:datastoreItem xmlns:ds="http://schemas.openxmlformats.org/officeDocument/2006/customXml" ds:itemID="{EB69D980-10BF-43F2-8F41-9F5218CC07AD}">
+  <ds:schemaRefs>
+    <ds:schemaRef ds:uri="http://schemas.microsoft.com/office/2006/metadata/properties"/>
+    <ds:schemaRef ds:uri="http://schemas.microsoft.com/office/infopath/2007/PartnerControls"/>
+    <ds:schemaRef ds:uri="820f9cb1-409d-4c4b-8197-1d4f7dd48124"/>
+    <ds:schemaRef ds:uri="08600313-7276-4ca7-b5d3-7d86193ee0ac"/>
+  </ds:schemaRefs>
+</ds:datastoreItem>
+</file>
+
 <file path=customXml/itemProps3.xml><?xml version="1.0" encoding="utf-8"?>
 <ds:datastoreItem xmlns:ds="http://schemas.openxmlformats.org/officeDocument/2006/customXml" ds:itemID="{6ED348A6-F888-42FE-B8A0-507D124DDDD0}">
   <ds:schemaRefs>

--- a/ClassMaterials/IntroToUnitTesting/Slides/Part4-UnitTesting.pptx
+++ b/ClassMaterials/IntroToUnitTesting/Slides/Part4-UnitTesting.pptx
@@ -289,7 +289,7 @@
               <a:pPr>
                 <a:defRPr/>
               </a:pPr>
-              <a:t>1/5/2023</a:t>
+              <a:t>3/27/2023</a:t>
             </a:fld>
             <a:endParaRPr lang="en-US"/>
           </a:p>
@@ -405,6 +405,64 @@
   </p:cSld>
   <p:clrMap bg1="lt1" tx1="dk1" bg2="lt2" tx2="dk2" accent1="accent1" accent2="accent2" accent3="accent3" accent4="accent4" accent5="accent5" accent6="accent6" hlink="hlink" folHlink="folHlink"/>
 </p:handoutMaster>
+</file>
+
+<file path=ppt/ink/ink1.xml><?xml version="1.0" encoding="utf-8"?>
+<inkml:ink xmlns:inkml="http://www.w3.org/2003/InkML">
+  <inkml:definitions>
+    <inkml:context xml:id="ctx0">
+      <inkml:inkSource xml:id="inkSrc0">
+        <inkml:traceFormat>
+          <inkml:channel name="X" type="integer" min="-2.14748E9" max="2.14748E9" units="cm"/>
+          <inkml:channel name="Y" type="integer" min="-2.14748E9" max="2.14748E9" units="cm"/>
+        </inkml:traceFormat>
+        <inkml:channelProperties>
+          <inkml:channelProperty channel="X" name="resolution" value="1000" units="1/cm"/>
+          <inkml:channelProperty channel="Y" name="resolution" value="1000" units="1/cm"/>
+        </inkml:channelProperties>
+      </inkml:inkSource>
+      <inkml:timestamp xml:id="ts0" timeString="2023-03-27T16:06:25.135"/>
+    </inkml:context>
+    <inkml:brush xml:id="br0">
+      <inkml:brushProperty name="width" value="0.3" units="cm"/>
+      <inkml:brushProperty name="height" value="0.6" units="cm"/>
+      <inkml:brushProperty name="color" value="#FFFC00"/>
+      <inkml:brushProperty name="tip" value="rectangle"/>
+      <inkml:brushProperty name="rasterOp" value="maskPen"/>
+      <inkml:brushProperty name="ignorePressure" value="1"/>
+    </inkml:brush>
+  </inkml:definitions>
+  <inkml:trace contextRef="#ctx0" brushRef="#br0">1 3,'0'0,"67"-1,122 16,-175-13,39 6,-1 3,82 26,-105-27,0-2,1-1,0-1,58 3,126-10,-87-2,1777 3,-1869-2,0-2,49-10,14-3,95-7,337-25,621 49,-520 2,1800-2,-2377 2,-1 2,1 3,-1 2,80 25,-76-19,0-2,1-2,1-3,106 1,-123-10,1 1,0 3,-1 2,59 13,-6 7,2-5,1-4,176 5,-135-21,-23-2,140 16,36 5,-158-13,16 11,-90-9,65 2,-69-9,83-2,-122 0,-1-1,0-1,1-1,-1 0,0 0,16-9,-28 11,0 0,0 0,0 0,0-1,-1 1,1-1,-1 0,0 0,0 0,4-5,-7 7,1 0,-1 0,1 0,-1 0,1 0,-1 0,0 0,1 0,-1 0,0 0,0 0,0 0,0 0,0 0,0 0,0 0,0 0,-1 0,1-1,-1 0,0 0,0 1,0-1,0 1,0 0,0-1,-1 1,1 0,0 0,-1 0,1 0,-1 0,1 0,-4-1,-12-6,0 2,0 1,0 0,-1 1,-31-4,-97 1,124 7,-547 0,237 2,-254-2,532-2,-74-13,-11-2,-30 12,87 5,0-5,-101-17,94 5,-1 4,-155-3,-16-1,21 0,-771 15,487 5,82-3,400 0</inkml:trace>
+</inkml:ink>
+</file>
+
+<file path=ppt/ink/ink2.xml><?xml version="1.0" encoding="utf-8"?>
+<inkml:ink xmlns:inkml="http://www.w3.org/2003/InkML">
+  <inkml:definitions>
+    <inkml:context xml:id="ctx0">
+      <inkml:inkSource xml:id="inkSrc0">
+        <inkml:traceFormat>
+          <inkml:channel name="X" type="integer" min="-2.14748E9" max="2.14748E9" units="cm"/>
+          <inkml:channel name="Y" type="integer" min="-2.14748E9" max="2.14748E9" units="cm"/>
+        </inkml:traceFormat>
+        <inkml:channelProperties>
+          <inkml:channelProperty channel="X" name="resolution" value="1000" units="1/cm"/>
+          <inkml:channelProperty channel="Y" name="resolution" value="1000" units="1/cm"/>
+        </inkml:channelProperties>
+      </inkml:inkSource>
+      <inkml:timestamp xml:id="ts0" timeString="2023-03-27T16:07:45.193"/>
+    </inkml:context>
+    <inkml:brush xml:id="br0">
+      <inkml:brushProperty name="width" value="0.3" units="cm"/>
+      <inkml:brushProperty name="height" value="0.6" units="cm"/>
+      <inkml:brushProperty name="color" value="#FFFC00"/>
+      <inkml:brushProperty name="tip" value="rectangle"/>
+      <inkml:brushProperty name="rasterOp" value="maskPen"/>
+      <inkml:brushProperty name="ignorePressure" value="1"/>
+    </inkml:brush>
+  </inkml:definitions>
+  <inkml:trace contextRef="#ctx0" brushRef="#br0">2645 1,'-2614'0,"2583"0</inkml:trace>
+</inkml:ink>
 </file>
 
 <file path=ppt/notesMasters/notesMaster1.xml><?xml version="1.0" encoding="utf-8"?>
@@ -524,7 +582,7 @@
               <a:pPr>
                 <a:defRPr/>
               </a:pPr>
-              <a:t>1/5/2023</a:t>
+              <a:t>3/27/2023</a:t>
             </a:fld>
             <a:endParaRPr lang="en-US"/>
           </a:p>
@@ -932,6 +990,25 @@
             </a:pPr>
             <a:r>
               <a:rPr lang="en-US" dirty="0"/>
+              <a:t>Start Second Hour with this</a:t>
+            </a:r>
+          </a:p>
+          <a:p>
+            <a:pPr eaLnBrk="1" hangingPunct="1">
+              <a:spcBef>
+                <a:spcPct val="0"/>
+              </a:spcBef>
+            </a:pPr>
+            <a:endParaRPr lang="en-US" dirty="0"/>
+          </a:p>
+          <a:p>
+            <a:pPr eaLnBrk="1" hangingPunct="1">
+              <a:spcBef>
+                <a:spcPct val="0"/>
+              </a:spcBef>
+            </a:pPr>
+            <a:r>
+              <a:rPr lang="en-US" dirty="0"/>
               <a:t>Bring hard copy of code from </a:t>
             </a:r>
             <a:r>
@@ -2266,7 +2343,7 @@
               <a:pPr>
                 <a:defRPr/>
               </a:pPr>
-              <a:t>Thursday, January 5, 2023</a:t>
+              <a:t>Monday, March 27, 2023</a:t>
             </a:fld>
             <a:endParaRPr lang="en-US" dirty="0"/>
           </a:p>
@@ -2449,7 +2526,7 @@
               <a:pPr>
                 <a:defRPr/>
               </a:pPr>
-              <a:t>Thursday, January 5, 2023</a:t>
+              <a:t>Monday, March 27, 2023</a:t>
             </a:fld>
             <a:endParaRPr lang="en-US" dirty="0"/>
           </a:p>
@@ -2642,7 +2719,7 @@
               <a:pPr>
                 <a:defRPr/>
               </a:pPr>
-              <a:t>Thursday, January 5, 2023</a:t>
+              <a:t>Monday, March 27, 2023</a:t>
             </a:fld>
             <a:endParaRPr lang="en-US" dirty="0"/>
           </a:p>
@@ -2825,7 +2902,7 @@
               <a:pPr>
                 <a:defRPr/>
               </a:pPr>
-              <a:t>Thursday, January 5, 2023</a:t>
+              <a:t>Monday, March 27, 2023</a:t>
             </a:fld>
             <a:endParaRPr lang="en-US" dirty="0"/>
           </a:p>
@@ -3085,7 +3162,7 @@
               <a:pPr>
                 <a:defRPr/>
               </a:pPr>
-              <a:t>Thursday, January 5, 2023</a:t>
+              <a:t>Monday, March 27, 2023</a:t>
             </a:fld>
             <a:endParaRPr lang="en-US"/>
           </a:p>
@@ -3385,7 +3462,7 @@
               <a:pPr>
                 <a:defRPr/>
               </a:pPr>
-              <a:t>Thursday, January 5, 2023</a:t>
+              <a:t>Monday, March 27, 2023</a:t>
             </a:fld>
             <a:endParaRPr lang="en-US"/>
           </a:p>
@@ -3819,7 +3896,7 @@
               <a:pPr>
                 <a:defRPr/>
               </a:pPr>
-              <a:t>Thursday, January 5, 2023</a:t>
+              <a:t>Monday, March 27, 2023</a:t>
             </a:fld>
             <a:endParaRPr lang="en-US"/>
           </a:p>
@@ -3951,7 +4028,7 @@
               <a:pPr>
                 <a:defRPr/>
               </a:pPr>
-              <a:t>Thursday, January 5, 2023</a:t>
+              <a:t>Monday, March 27, 2023</a:t>
             </a:fld>
             <a:endParaRPr lang="en-US"/>
           </a:p>
@@ -4061,7 +4138,7 @@
               <a:pPr>
                 <a:defRPr/>
               </a:pPr>
-              <a:t>Thursday, January 5, 2023</a:t>
+              <a:t>Monday, March 27, 2023</a:t>
             </a:fld>
             <a:endParaRPr lang="en-US" dirty="0"/>
           </a:p>
@@ -4351,7 +4428,7 @@
               <a:pPr>
                 <a:defRPr/>
               </a:pPr>
-              <a:t>Thursday, January 5, 2023</a:t>
+              <a:t>Monday, March 27, 2023</a:t>
             </a:fld>
             <a:endParaRPr lang="en-US"/>
           </a:p>
@@ -4618,7 +4695,7 @@
               <a:pPr>
                 <a:defRPr/>
               </a:pPr>
-              <a:t>Thursday, January 5, 2023</a:t>
+              <a:t>Monday, March 27, 2023</a:t>
             </a:fld>
             <a:endParaRPr lang="en-US"/>
           </a:p>
@@ -4844,7 +4921,7 @@
               <a:pPr>
                 <a:defRPr/>
               </a:pPr>
-              <a:t>Thursday, January 5, 2023</a:t>
+              <a:t>Monday, March 27, 2023</a:t>
             </a:fld>
             <a:endParaRPr lang="en-US" dirty="0"/>
           </a:p>
@@ -5788,6 +5865,36 @@
           <a:chExt cx="0" cy="0"/>
         </a:xfrm>
       </p:grpSpPr>
+      <p:pic>
+        <p:nvPicPr>
+          <p:cNvPr id="14" name="Picture 13">
+            <a:extLst>
+              <a:ext uri="{FF2B5EF4-FFF2-40B4-BE49-F238E27FC236}">
+                <a16:creationId xmlns:a16="http://schemas.microsoft.com/office/drawing/2014/main" id="{BF8CCD6A-20CF-9D96-74A6-9A7745D96243}"/>
+              </a:ext>
+            </a:extLst>
+          </p:cNvPr>
+          <p:cNvPicPr>
+            <a:picLocks noChangeAspect="1"/>
+          </p:cNvPicPr>
+          <p:nvPr/>
+        </p:nvPicPr>
+        <p:blipFill>
+          <a:blip r:embed="rId2"/>
+          <a:stretch>
+            <a:fillRect/>
+          </a:stretch>
+        </p:blipFill>
+        <p:spPr>
+          <a:xfrm>
+            <a:off x="2057644" y="1103883"/>
+            <a:ext cx="5465935" cy="627510"/>
+          </a:xfrm>
+          <a:prstGeom prst="rect">
+            <a:avLst/>
+          </a:prstGeom>
+        </p:spPr>
+      </p:pic>
       <p:sp>
         <p:nvSpPr>
           <p:cNvPr id="2" name="Title 1"/>
@@ -5814,28 +5921,207 @@
           </a:p>
         </p:txBody>
       </p:sp>
-      <p:sp>
-        <p:nvSpPr>
-          <p:cNvPr id="3" name="Content Placeholder 2"/>
-          <p:cNvSpPr>
-            <a:spLocks noGrp="1"/>
-          </p:cNvSpPr>
-          <p:nvPr>
-            <p:ph idx="1"/>
-          </p:nvPr>
-        </p:nvSpPr>
-        <p:spPr/>
-        <p:txBody>
-          <a:bodyPr/>
-          <a:lstStyle/>
-          <a:p>
-            <a:r>
-              <a:rPr lang="en-US" dirty="0"/>
-              <a:t>To be assigned soon</a:t>
-            </a:r>
-          </a:p>
-        </p:txBody>
-      </p:sp>
+      <p:pic>
+        <p:nvPicPr>
+          <p:cNvPr id="7" name="Picture 6">
+            <a:extLst>
+              <a:ext uri="{FF2B5EF4-FFF2-40B4-BE49-F238E27FC236}">
+                <a16:creationId xmlns:a16="http://schemas.microsoft.com/office/drawing/2014/main" id="{C3009C73-1589-0627-F2BB-69CD8BAAC067}"/>
+              </a:ext>
+            </a:extLst>
+          </p:cNvPr>
+          <p:cNvPicPr>
+            <a:picLocks noChangeAspect="1"/>
+          </p:cNvPicPr>
+          <p:nvPr/>
+        </p:nvPicPr>
+        <p:blipFill>
+          <a:blip r:embed="rId3"/>
+          <a:stretch>
+            <a:fillRect/>
+          </a:stretch>
+        </p:blipFill>
+        <p:spPr>
+          <a:xfrm>
+            <a:off x="304800" y="1622070"/>
+            <a:ext cx="3505689" cy="3115110"/>
+          </a:xfrm>
+          <a:prstGeom prst="rect">
+            <a:avLst/>
+          </a:prstGeom>
+        </p:spPr>
+      </p:pic>
+      <p:pic>
+        <p:nvPicPr>
+          <p:cNvPr id="9" name="Picture 8">
+            <a:extLst>
+              <a:ext uri="{FF2B5EF4-FFF2-40B4-BE49-F238E27FC236}">
+                <a16:creationId xmlns:a16="http://schemas.microsoft.com/office/drawing/2014/main" id="{3E84B0B7-9F5F-0C1F-B270-A0C505DF1C0B}"/>
+              </a:ext>
+            </a:extLst>
+          </p:cNvPr>
+          <p:cNvPicPr>
+            <a:picLocks noChangeAspect="1"/>
+          </p:cNvPicPr>
+          <p:nvPr/>
+        </p:nvPicPr>
+        <p:blipFill>
+          <a:blip r:embed="rId4"/>
+          <a:stretch>
+            <a:fillRect/>
+          </a:stretch>
+        </p:blipFill>
+        <p:spPr>
+          <a:xfrm>
+            <a:off x="396000" y="4737180"/>
+            <a:ext cx="8351999" cy="1524000"/>
+          </a:xfrm>
+          <a:prstGeom prst="rect">
+            <a:avLst/>
+          </a:prstGeom>
+          <a:ln>
+            <a:solidFill>
+              <a:schemeClr val="tx1"/>
+            </a:solidFill>
+          </a:ln>
+        </p:spPr>
+      </p:pic>
+      <mc:AlternateContent xmlns:mc="http://schemas.openxmlformats.org/markup-compatibility/2006">
+        <mc:Choice xmlns:p14="http://schemas.microsoft.com/office/powerpoint/2010/main" Requires="p14">
+          <p:contentPart p14:bwMode="auto" r:id="rId5">
+            <p14:nvContentPartPr>
+              <p14:cNvPr id="11" name="Ink 10">
+                <a:extLst>
+                  <a:ext uri="{FF2B5EF4-FFF2-40B4-BE49-F238E27FC236}">
+                    <a16:creationId xmlns:a16="http://schemas.microsoft.com/office/drawing/2014/main" id="{A130307F-ED08-2A6C-7639-748B6B96AF07}"/>
+                  </a:ext>
+                </a:extLst>
+              </p14:cNvPr>
+              <p14:cNvContentPartPr/>
+              <p14:nvPr/>
+            </p14:nvContentPartPr>
+            <p14:xfrm>
+              <a:off x="835971" y="5446080"/>
+              <a:ext cx="4093560" cy="106200"/>
+            </p14:xfrm>
+          </p:contentPart>
+        </mc:Choice>
+        <mc:Fallback>
+          <p:pic>
+            <p:nvPicPr>
+              <p:cNvPr id="11" name="Ink 10">
+                <a:extLst>
+                  <a:ext uri="{FF2B5EF4-FFF2-40B4-BE49-F238E27FC236}">
+                    <a16:creationId xmlns:a16="http://schemas.microsoft.com/office/drawing/2014/main" id="{A130307F-ED08-2A6C-7639-748B6B96AF07}"/>
+                  </a:ext>
+                </a:extLst>
+              </p:cNvPr>
+              <p:cNvPicPr/>
+              <p:nvPr/>
+            </p:nvPicPr>
+            <p:blipFill>
+              <a:blip r:embed="rId6"/>
+              <a:stretch>
+                <a:fillRect/>
+              </a:stretch>
+            </p:blipFill>
+            <p:spPr>
+              <a:xfrm>
+                <a:off x="782331" y="5338080"/>
+                <a:ext cx="4201200" cy="321840"/>
+              </a:xfrm>
+              <a:prstGeom prst="rect">
+                <a:avLst/>
+              </a:prstGeom>
+            </p:spPr>
+          </p:pic>
+        </mc:Fallback>
+      </mc:AlternateContent>
+      <p:pic>
+        <p:nvPicPr>
+          <p:cNvPr id="16" name="Picture 15">
+            <a:extLst>
+              <a:ext uri="{FF2B5EF4-FFF2-40B4-BE49-F238E27FC236}">
+                <a16:creationId xmlns:a16="http://schemas.microsoft.com/office/drawing/2014/main" id="{569A4D48-2E98-B22B-3128-181AFF0556D1}"/>
+              </a:ext>
+            </a:extLst>
+          </p:cNvPr>
+          <p:cNvPicPr>
+            <a:picLocks noChangeAspect="1"/>
+          </p:cNvPicPr>
+          <p:nvPr/>
+        </p:nvPicPr>
+        <p:blipFill rotWithShape="1">
+          <a:blip r:embed="rId7"/>
+          <a:srcRect r="49002"/>
+          <a:stretch/>
+        </p:blipFill>
+        <p:spPr>
+          <a:xfrm>
+            <a:off x="4454673" y="1997558"/>
+            <a:ext cx="4663201" cy="1921087"/>
+          </a:xfrm>
+          <a:prstGeom prst="rect">
+            <a:avLst/>
+          </a:prstGeom>
+          <a:ln>
+            <a:solidFill>
+              <a:schemeClr val="tx1"/>
+            </a:solidFill>
+          </a:ln>
+        </p:spPr>
+      </p:pic>
+      <mc:AlternateContent xmlns:mc="http://schemas.openxmlformats.org/markup-compatibility/2006">
+        <mc:Choice xmlns:p14="http://schemas.microsoft.com/office/powerpoint/2010/main" Requires="p14">
+          <p:contentPart p14:bwMode="auto" r:id="rId8">
+            <p14:nvContentPartPr>
+              <p14:cNvPr id="17" name="Ink 16">
+                <a:extLst>
+                  <a:ext uri="{FF2B5EF4-FFF2-40B4-BE49-F238E27FC236}">
+                    <a16:creationId xmlns:a16="http://schemas.microsoft.com/office/drawing/2014/main" id="{6B9E74C0-CD23-2332-8840-33B0E7B50462}"/>
+                  </a:ext>
+                </a:extLst>
+              </p14:cNvPr>
+              <p14:cNvContentPartPr/>
+              <p14:nvPr/>
+            </p14:nvContentPartPr>
+            <p14:xfrm>
+              <a:off x="6650331" y="3226320"/>
+              <a:ext cx="952560" cy="360"/>
+            </p14:xfrm>
+          </p:contentPart>
+        </mc:Choice>
+        <mc:Fallback>
+          <p:pic>
+            <p:nvPicPr>
+              <p:cNvPr id="17" name="Ink 16">
+                <a:extLst>
+                  <a:ext uri="{FF2B5EF4-FFF2-40B4-BE49-F238E27FC236}">
+                    <a16:creationId xmlns:a16="http://schemas.microsoft.com/office/drawing/2014/main" id="{6B9E74C0-CD23-2332-8840-33B0E7B50462}"/>
+                  </a:ext>
+                </a:extLst>
+              </p:cNvPr>
+              <p:cNvPicPr/>
+              <p:nvPr/>
+            </p:nvPicPr>
+            <p:blipFill>
+              <a:blip r:embed="rId9"/>
+              <a:stretch>
+                <a:fillRect/>
+              </a:stretch>
+            </p:blipFill>
+            <p:spPr>
+              <a:xfrm>
+                <a:off x="6596331" y="3118680"/>
+                <a:ext cx="1060200" cy="216000"/>
+              </a:xfrm>
+              <a:prstGeom prst="rect">
+                <a:avLst/>
+              </a:prstGeom>
+            </p:spPr>
+          </p:pic>
+        </mc:Fallback>
+      </mc:AlternateContent>
     </p:spTree>
     <p:extLst>
       <p:ext uri="{BB962C8B-B14F-4D97-AF65-F5344CB8AC3E}">
@@ -8279,6 +8565,15 @@
 </file>
 
 <file path=customXml/item2.xml><?xml version="1.0" encoding="utf-8"?>
+<?mso-contentType ?>
+<FormTemplates xmlns="http://schemas.microsoft.com/sharepoint/v3/contenttype/forms">
+  <Display>DocumentLibraryForm</Display>
+  <Edit>DocumentLibraryForm</Edit>
+  <New>DocumentLibraryForm</New>
+</FormTemplates>
+</file>
+
+<file path=customXml/item3.xml><?xml version="1.0" encoding="utf-8"?>
 <p:properties xmlns:p="http://schemas.microsoft.com/office/2006/metadata/properties" xmlns:xsi="http://www.w3.org/2001/XMLSchema-instance" xmlns:pc="http://schemas.microsoft.com/office/infopath/2007/PartnerControls">
   <documentManagement>
     <TaxCatchAll xmlns="820f9cb1-409d-4c4b-8197-1d4f7dd48124" xsi:nil="true"/>
@@ -8287,15 +8582,6 @@
     </lcf76f155ced4ddcb4097134ff3c332f>
   </documentManagement>
 </p:properties>
-</file>
-
-<file path=customXml/item3.xml><?xml version="1.0" encoding="utf-8"?>
-<?mso-contentType ?>
-<FormTemplates xmlns="http://schemas.microsoft.com/sharepoint/v3/contenttype/forms">
-  <Display>DocumentLibraryForm</Display>
-  <Edit>DocumentLibraryForm</Edit>
-  <New>DocumentLibraryForm</New>
-</FormTemplates>
 </file>
 
 <file path=customXml/itemProps1.xml><?xml version="1.0" encoding="utf-8"?>
@@ -8318,6 +8604,14 @@
 </file>
 
 <file path=customXml/itemProps2.xml><?xml version="1.0" encoding="utf-8"?>
+<ds:datastoreItem xmlns:ds="http://schemas.openxmlformats.org/officeDocument/2006/customXml" ds:itemID="{6ED348A6-F888-42FE-B8A0-507D124DDDD0}">
+  <ds:schemaRefs>
+    <ds:schemaRef ds:uri="http://schemas.microsoft.com/sharepoint/v3/contenttype/forms"/>
+  </ds:schemaRefs>
+</ds:datastoreItem>
+</file>
+
+<file path=customXml/itemProps3.xml><?xml version="1.0" encoding="utf-8"?>
 <ds:datastoreItem xmlns:ds="http://schemas.openxmlformats.org/officeDocument/2006/customXml" ds:itemID="{EB69D980-10BF-43F2-8F41-9F5218CC07AD}">
   <ds:schemaRefs>
     <ds:schemaRef ds:uri="http://schemas.microsoft.com/office/2006/metadata/properties"/>
@@ -8326,12 +8620,4 @@
     <ds:schemaRef ds:uri="08600313-7276-4ca7-b5d3-7d86193ee0ac"/>
   </ds:schemaRefs>
 </ds:datastoreItem>
-</file>
-
-<file path=customXml/itemProps3.xml><?xml version="1.0" encoding="utf-8"?>
-<ds:datastoreItem xmlns:ds="http://schemas.openxmlformats.org/officeDocument/2006/customXml" ds:itemID="{6ED348A6-F888-42FE-B8A0-507D124DDDD0}">
-  <ds:schemaRefs>
-    <ds:schemaRef ds:uri="http://schemas.microsoft.com/sharepoint/v3/contenttype/forms"/>
-  </ds:schemaRefs>
-</ds:datastoreItem>
 </file>